--- a/CursoSaúdeMental/4-Depressão Avaliação.pptx
+++ b/CursoSaúdeMental/4-Depressão Avaliação.pptx
@@ -3490,60 +3490,14 @@
           <a:bodyPr/>
           <a:lstStyle/>
           <a:p>
-            <a:pPr algn="l"/>
-            <a:r>
-              <a:rPr lang="pt-BR" b="0" i="0" dirty="0">
-                <a:solidFill>
-                  <a:srgbClr val="374151"/>
-                </a:solidFill>
-                <a:effectLst/>
-                <a:latin typeface="Söhne"/>
-              </a:rPr>
-              <a:t>A depressão é uma prioridade de saúde pública devido à sua alta prevalência, afetando cerca de 322 milhões de pessoas em todo o mundo. Estudos em comunidades demonstram que 4,4% das pessoas fora de ambientes clínicos e hospitalares sofrem de depressão. Esse número aumenta significativamente, chegando a 10% a 20%, entre as pessoas atendidas na atenção primária. Preocupantemente, a OMS relata que até metade das pessoas com depressão que procuram atendimento primário não são abertas. Isso ocorre em parte porque a depressão muitas vezes se manifesta com sintomas físicos, levando ao </a:t>
-            </a:r>
-            <a:r>
-              <a:rPr lang="pt-BR" b="0" i="0" dirty="0" err="1">
-                <a:solidFill>
-                  <a:srgbClr val="374151"/>
-                </a:solidFill>
-                <a:effectLst/>
-                <a:latin typeface="Söhne"/>
-              </a:rPr>
-              <a:t>subdiagnóstico</a:t>
-            </a:r>
-            <a:r>
-              <a:rPr lang="pt-BR" b="0" i="0" dirty="0">
-                <a:solidFill>
-                  <a:srgbClr val="374151"/>
-                </a:solidFill>
-                <a:effectLst/>
-                <a:latin typeface="Söhne"/>
-              </a:rPr>
-              <a:t>.</a:t>
-            </a:r>
-          </a:p>
-          <a:p>
-            <a:pPr algn="l"/>
-            <a:r>
-              <a:rPr lang="pt-BR" b="0" i="0" dirty="0">
-                <a:solidFill>
-                  <a:srgbClr val="374151"/>
-                </a:solidFill>
-                <a:effectLst/>
-                <a:latin typeface="Söhne"/>
-              </a:rPr>
-              <a:t>Outro aspecto crítico é a depressão pós-parto, que afeta cerca de 10% das mulheres que deram à luz. Isso tem um grande impacto nas famílias, uma vez que as mães deprimidas podem ter dificuldade em interagir com seus recém-nascidos e fornecer o afeto necessário para o desenvolvimento infantil saudável. A interação adequada com os cuidadores desempenha um papel fundamental no desenvolvimento cerebral das crianças, e a falta disso devido à depressão materna pode ter efeitos duradouros. Além disso, a depressão também afeta as relações familiares e a educação dos filhos. Portanto, a abordagem da depressão é crucial tanto em termos de saúde pública quanto de bem-estar familiar.</a:t>
-            </a:r>
-          </a:p>
-          <a:p>
-            <a:endParaRPr lang="pt-BR" dirty="0"/>
+            <a:endParaRPr lang="pt-BR"/>
           </a:p>
         </p:txBody>
       </p:sp>
     </p:spTree>
     <p:extLst>
       <p:ext uri="{BB962C8B-B14F-4D97-AF65-F5344CB8AC3E}">
-        <p14:creationId xmlns:p14="http://schemas.microsoft.com/office/powerpoint/2010/main" val="2961604352"/>
+        <p14:creationId xmlns:p14="http://schemas.microsoft.com/office/powerpoint/2010/main" val="1820462111"/>
       </p:ext>
     </p:extLst>
   </p:cSld>
@@ -3619,280 +3573,136 @@
           <a:bodyPr/>
           <a:lstStyle/>
           <a:p>
-            <a:pPr algn="just" rtl="0">
-              <a:spcBef>
-                <a:spcPts val="0"/>
-              </a:spcBef>
-              <a:spcAft>
-                <a:spcPts val="0"/>
-              </a:spcAft>
-            </a:pPr>
-            <a:r>
-              <a:rPr lang="pt-BR" sz="1800" b="0" i="0" u="none" strike="noStrike" dirty="0">
+            <a:pPr algn="l"/>
+            <a:r>
+              <a:rPr lang="pt-BR" b="0" i="0" dirty="0">
                 <a:solidFill>
-                  <a:srgbClr val="000000"/>
+                  <a:srgbClr val="374151"/>
                 </a:solidFill>
                 <a:effectLst/>
-                <a:latin typeface="Montserrat" panose="00000500000000000000" pitchFamily="2" charset="0"/>
+                <a:latin typeface="Söhne"/>
               </a:rPr>
-              <a:t>Isso é muito importante, e a identificação de sintomas de mania é fundamental na avaliação de um possível transtorno bipolar. O transtorno bipolar é caracterizado por oscilações entre episódios de depressão e episódios de mania ou hipomania. É importante entender as diferenças entre esses estados de ânimo:</a:t>
-            </a:r>
-            <a:endParaRPr lang="pt-BR" b="0" dirty="0">
-              <a:effectLst/>
-            </a:endParaRPr>
-          </a:p>
-          <a:p>
-            <a:pPr algn="just" rtl="0">
-              <a:spcBef>
-                <a:spcPts val="0"/>
-              </a:spcBef>
-              <a:spcAft>
-                <a:spcPts val="0"/>
-              </a:spcAft>
+              <a:t>é muito importante considerar outras possibilidades de explicação para os sintomas apresentados pelo paciente, além da depressão. Existem várias condições médicas e psicológicas que podem mimetizar ou agravar os sintomas da depressão. Aqui estão algumas delas:</a:t>
+            </a:r>
+          </a:p>
+          <a:p>
+            <a:pPr algn="l">
+              <a:buFont typeface="+mj-lt"/>
+              <a:buAutoNum type="arabicPeriod"/>
             </a:pPr>
             <a:r>
-              <a:rPr lang="pt-BR" sz="1800" b="0" i="0" u="none" strike="noStrike" dirty="0">
+              <a:rPr lang="pt-BR" b="1" i="0" dirty="0">
                 <a:solidFill>
-                  <a:srgbClr val="000000"/>
+                  <a:srgbClr val="374151"/>
                 </a:solidFill>
                 <a:effectLst/>
-                <a:latin typeface="Montserrat" panose="00000500000000000000" pitchFamily="2" charset="0"/>
+                <a:latin typeface="Söhne"/>
               </a:rPr>
-              <a:t>Mania: Durante um episódio de mania, uma pessoa pode experimentar um humor elevado ou eufórico, aumento de energia, falta de necessidade de sono, pensamentos rápidos e acelerados, aumento de atividade, impulsividade, comportamento de alto risco e uma sensação inflada de autoestima. Os sintomas de mania são mais graves e podem levar a problemas relacionados ao funcionamento social e ocupacional.</a:t>
-            </a:r>
-            <a:endParaRPr lang="pt-BR" b="0" dirty="0">
-              <a:effectLst/>
-            </a:endParaRPr>
-          </a:p>
-          <a:p>
-            <a:pPr algn="just" rtl="0">
-              <a:spcBef>
-                <a:spcPts val="0"/>
-              </a:spcBef>
-              <a:spcAft>
-                <a:spcPts val="0"/>
-              </a:spcAft>
-            </a:pPr>
-            <a:r>
-              <a:rPr lang="pt-BR" sz="1800" b="0" i="0" u="none" strike="noStrike" dirty="0">
+              <a:t>Anemia:</a:t>
+            </a:r>
+            <a:r>
+              <a:rPr lang="pt-BR" b="0" i="0" dirty="0">
                 <a:solidFill>
-                  <a:srgbClr val="000000"/>
+                  <a:srgbClr val="374151"/>
                 </a:solidFill>
                 <a:effectLst/>
-                <a:latin typeface="Montserrat" panose="00000500000000000000" pitchFamily="2" charset="0"/>
+                <a:latin typeface="Söhne"/>
               </a:rPr>
-              <a:t>Hipomania: A hipomania é semelhante à mania, mas menos intensa. Ela ainda envolve um humor elevado, aumento de energia e atividade, mas geralmente não causa problemas tão graves no funcionamento da pessoa.</a:t>
-            </a:r>
-            <a:endParaRPr lang="pt-BR" b="0" dirty="0">
-              <a:effectLst/>
-            </a:endParaRPr>
-          </a:p>
-          <a:p>
-            <a:pPr algn="just" rtl="0">
-              <a:spcBef>
-                <a:spcPts val="0"/>
-              </a:spcBef>
-              <a:spcAft>
-                <a:spcPts val="0"/>
-              </a:spcAft>
+              <a:t> A anemia é uma condição em que o corpo não tem glóbulos vermelhos saudáveis ​​​​suficientes para transportar oxigênio para os tecidos. A falta de oxigenação adequada do cérebro devido à anemia pode levar a sintomas de fadiga, falta de energia e até mesmo humor deprimido.</a:t>
+            </a:r>
+          </a:p>
+          <a:p>
+            <a:pPr algn="l">
+              <a:buFont typeface="+mj-lt"/>
+              <a:buAutoNum type="arabicPeriod"/>
             </a:pPr>
             <a:r>
-              <a:rPr lang="pt-BR" sz="1800" b="0" i="0" u="none" strike="noStrike" dirty="0">
+              <a:rPr lang="pt-BR" b="1" i="0" dirty="0">
                 <a:solidFill>
-                  <a:srgbClr val="000000"/>
+                  <a:srgbClr val="374151"/>
                 </a:solidFill>
                 <a:effectLst/>
-                <a:latin typeface="Montserrat" panose="00000500000000000000" pitchFamily="2" charset="0"/>
+                <a:latin typeface="Söhne"/>
               </a:rPr>
-              <a:t>É importante perguntar ao paciente sobre episódios anteriores de mania ou hipomania, mesmo que eles não ocorressem no momento. Como você sabe, muitas vezes as pessoas com transtorno bipolar podem não perceber ou não se lembrar de seus episódios de euforia, então obter informações de familiares ou pessoas próximas é aprofundado.</a:t>
-            </a:r>
-            <a:endParaRPr lang="pt-BR" b="0" dirty="0">
-              <a:effectLst/>
-            </a:endParaRPr>
-          </a:p>
-          <a:p>
-            <a:pPr algn="just" rtl="0">
-              <a:spcBef>
-                <a:spcPts val="0"/>
-              </a:spcBef>
-              <a:spcAft>
-                <a:spcPts val="0"/>
-              </a:spcAft>
-            </a:pPr>
-            <a:r>
-              <a:rPr lang="pt-BR" sz="1800" b="0" i="0" u="none" strike="noStrike" dirty="0">
+              <a:t>Desnutrição:</a:t>
+            </a:r>
+            <a:r>
+              <a:rPr lang="pt-BR" b="0" i="0" dirty="0">
                 <a:solidFill>
-                  <a:srgbClr val="000000"/>
+                  <a:srgbClr val="374151"/>
                 </a:solidFill>
                 <a:effectLst/>
-                <a:latin typeface="Montserrat" panose="00000500000000000000" pitchFamily="2" charset="0"/>
+                <a:latin typeface="Söhne"/>
               </a:rPr>
-              <a:t>O tratamento para a depressão bipolar é diferente do tratamento para a depressão unipolar (sem episódios de mania). Portanto, identificar corretamente a presença de sintomas de mania é essencial para garantir o tratamento adequado e eficaz.</a:t>
-            </a:r>
-            <a:endParaRPr lang="pt-BR" b="0" dirty="0">
-              <a:effectLst/>
-            </a:endParaRPr>
-          </a:p>
-          <a:p>
-            <a:pPr algn="just" rtl="0">
-              <a:spcBef>
-                <a:spcPts val="0"/>
-              </a:spcBef>
-              <a:spcAft>
-                <a:spcPts val="0"/>
-              </a:spcAft>
+              <a:t> A desnutrição, especialmente a deficiência de certos nutrientes como vitaminas B e D, pode afetar o funcionamento do cérebro e o humor. É importante avaliar a dieta do paciente.</a:t>
+            </a:r>
+          </a:p>
+          <a:p>
+            <a:pPr algn="l">
+              <a:buFont typeface="+mj-lt"/>
+              <a:buAutoNum type="arabicPeriod"/>
             </a:pPr>
             <a:r>
-              <a:rPr lang="pt-BR" sz="1800" b="0" i="0" u="none" strike="noStrike" dirty="0">
+              <a:rPr lang="pt-BR" b="1" i="0" dirty="0">
                 <a:solidFill>
-                  <a:srgbClr val="000000"/>
+                  <a:srgbClr val="374151"/>
                 </a:solidFill>
                 <a:effectLst/>
-                <a:latin typeface="Montserrat" panose="00000500000000000000" pitchFamily="2" charset="0"/>
+                <a:latin typeface="Söhne"/>
               </a:rPr>
-              <a:t>Além disso, o transtorno bipolar é uma condição crônica que requer gerenciamento de longo prazo, incluindo medicamentos e terapia. Portanto, o diagnóstico preciso é crucial para o planejamento do tratamento seguro e para ajudar o paciente a gerenciar sua condição ao longo do tempo.</a:t>
-            </a:r>
-            <a:endParaRPr lang="pt-BR" b="0" dirty="0">
-              <a:effectLst/>
-            </a:endParaRPr>
-          </a:p>
-          <a:p>
-            <a:pPr algn="just" rtl="0">
-              <a:spcBef>
-                <a:spcPts val="0"/>
-              </a:spcBef>
-              <a:spcAft>
-                <a:spcPts val="0"/>
-              </a:spcAft>
-            </a:pPr>
-            <a:br>
-              <a:rPr lang="pt-BR" b="0" dirty="0">
-                <a:effectLst/>
-              </a:rPr>
-            </a:br>
-            <a:endParaRPr lang="pt-BR" b="0" dirty="0">
-              <a:effectLst/>
-            </a:endParaRPr>
-          </a:p>
-          <a:p>
-            <a:pPr algn="just" rtl="0">
-              <a:spcBef>
-                <a:spcPts val="0"/>
-              </a:spcBef>
-              <a:spcAft>
-                <a:spcPts val="0"/>
-              </a:spcAft>
-            </a:pPr>
-            <a:r>
-              <a:rPr lang="pt-BR" sz="1800" b="0" i="0" u="none" strike="noStrike" dirty="0">
+              <a:t>Hipotireoidismo:</a:t>
+            </a:r>
+            <a:r>
+              <a:rPr lang="pt-BR" b="0" i="0" dirty="0">
                 <a:solidFill>
-                  <a:srgbClr val="000000"/>
+                  <a:srgbClr val="374151"/>
                 </a:solidFill>
                 <a:effectLst/>
-                <a:latin typeface="Montserrat" panose="00000500000000000000" pitchFamily="2" charset="0"/>
+                <a:latin typeface="Söhne"/>
               </a:rPr>
-              <a:t>Essa é uma abordagem muito importante na avaliação de pacientes com sintomas de depressão. A diferença entre depressão unipolar (também conhecida como depressão maior) e depressão bipolar é fundamental para determinar o tratamento adequado.</a:t>
-            </a:r>
-            <a:endParaRPr lang="pt-BR" b="0" dirty="0">
-              <a:effectLst/>
-            </a:endParaRPr>
-          </a:p>
-          <a:p>
-            <a:pPr algn="just" rtl="0">
-              <a:spcBef>
-                <a:spcPts val="0"/>
-              </a:spcBef>
-              <a:spcAft>
-                <a:spcPts val="0"/>
-              </a:spcAft>
+              <a:t> Quando a glândula tireoide não produz hormônios em quantidade suficiente (hipotireoidismo), pode levar a sintomas de depressão, fadiga, ganho de peso e letargia.</a:t>
+            </a:r>
+          </a:p>
+          <a:p>
+            <a:pPr algn="l">
+              <a:buFont typeface="+mj-lt"/>
+              <a:buAutoNum type="arabicPeriod"/>
             </a:pPr>
             <a:r>
-              <a:rPr lang="pt-BR" sz="1800" b="0" i="0" u="none" strike="noStrike" dirty="0">
+              <a:rPr lang="pt-BR" b="1" i="0" dirty="0">
                 <a:solidFill>
-                  <a:srgbClr val="000000"/>
+                  <a:srgbClr val="374151"/>
                 </a:solidFill>
                 <a:effectLst/>
-                <a:latin typeface="Montserrat" panose="00000500000000000000" pitchFamily="2" charset="0"/>
+                <a:latin typeface="Söhne"/>
               </a:rPr>
-              <a:t>Os sintomas de mania são um indicativo importante de depressão bipolar. É importante que os profissionais de saúde estejam atentos a esses sinais, mesmo que o paciente fique predominantemente deprimido no momento da avaliação, porque os episódios de mania podem ocorrer em momentos diferentes.</a:t>
-            </a:r>
-            <a:endParaRPr lang="pt-BR" b="0" dirty="0">
-              <a:effectLst/>
-            </a:endParaRPr>
-          </a:p>
-          <a:p>
-            <a:pPr algn="just" rtl="0">
-              <a:spcBef>
-                <a:spcPts val="0"/>
-              </a:spcBef>
-              <a:spcAft>
-                <a:spcPts val="0"/>
-              </a:spcAft>
-            </a:pPr>
-            <a:r>
-              <a:rPr lang="pt-BR" sz="1800" b="0" i="0" u="none" strike="noStrike" dirty="0">
+              <a:t>Outros transtornos médicos:</a:t>
+            </a:r>
+            <a:r>
+              <a:rPr lang="pt-BR" b="0" i="0" dirty="0">
                 <a:solidFill>
-                  <a:srgbClr val="000000"/>
+                  <a:srgbClr val="374151"/>
                 </a:solidFill>
                 <a:effectLst/>
-                <a:latin typeface="Montserrat" panose="00000500000000000000" pitchFamily="2" charset="0"/>
+                <a:latin typeface="Söhne"/>
               </a:rPr>
-              <a:t>Os sintomas típicos de mania, como aumento de energia, humor elevado, diminuição da necessidade de sono e aumento da atividade impulsiva, são frequentemente percebidos por familiares ou pessoas próximas antes que o paciente os reconheça. Portanto, a coleta de informações junto aos familiares ou cuidadores é crucial.</a:t>
-            </a:r>
-            <a:endParaRPr lang="pt-BR" b="0" dirty="0">
-              <a:effectLst/>
-            </a:endParaRPr>
-          </a:p>
-          <a:p>
-            <a:pPr algn="just" rtl="0">
-              <a:spcBef>
-                <a:spcPts val="0"/>
-              </a:spcBef>
-              <a:spcAft>
-                <a:spcPts val="0"/>
-              </a:spcAft>
-            </a:pPr>
-            <a:r>
-              <a:rPr lang="pt-BR" sz="1800" b="0" i="0" u="none" strike="noStrike" dirty="0">
+              <a:t> Além desses exemplos, existem muitas outras condições médicas, como diabetes, distúrbios neurológicos, distúrbios do sono e doenças crônicas, que podem afetar o humor e serem confundidas com a depressão.</a:t>
+            </a:r>
+          </a:p>
+          <a:p>
+            <a:pPr algn="l"/>
+            <a:r>
+              <a:rPr lang="pt-BR" b="0" i="0" dirty="0">
                 <a:solidFill>
-                  <a:srgbClr val="000000"/>
+                  <a:srgbClr val="374151"/>
                 </a:solidFill>
                 <a:effectLst/>
-                <a:latin typeface="Montserrat" panose="00000500000000000000" pitchFamily="2" charset="0"/>
+                <a:latin typeface="Söhne"/>
               </a:rPr>
-              <a:t>Além disso, o tratamento da depressão bipolar é diferente do tratamento da depressão unipolar, já que o uso de antidepressivos pode precipitar episódios de mania em pacientes com depressão bipolar. Portanto, uma avaliação completa dos sintomas e histórico do paciente é essencial para garantir que o tratamento seja adequado e seguro.</a:t>
-            </a:r>
-            <a:endParaRPr lang="pt-BR" b="0" dirty="0">
-              <a:effectLst/>
-            </a:endParaRPr>
-          </a:p>
-          <a:p>
-            <a:pPr algn="just" rtl="0">
-              <a:spcBef>
-                <a:spcPts val="0"/>
-              </a:spcBef>
-              <a:spcAft>
-                <a:spcPts val="0"/>
-              </a:spcAft>
-            </a:pPr>
-            <a:r>
-              <a:rPr lang="pt-BR" sz="1800" b="0" i="0" u="none" strike="noStrike" dirty="0">
-                <a:solidFill>
-                  <a:srgbClr val="000000"/>
-                </a:solidFill>
-                <a:effectLst/>
-                <a:latin typeface="Montserrat" panose="00000500000000000000" pitchFamily="2" charset="0"/>
-              </a:rPr>
-              <a:t>A investigação de sintomas de mania e a obtenção de informações de familiares ou cuidadores são passos importantes na diferenciação entre depressão unipolar e bipolar, permitindo um tratamento mais eficaz e seguro para cada caso.</a:t>
-            </a:r>
-            <a:endParaRPr lang="pt-BR" b="0" dirty="0">
-              <a:effectLst/>
-            </a:endParaRPr>
-          </a:p>
-          <a:p>
-            <a:br>
-              <a:rPr lang="pt-BR" dirty="0"/>
-            </a:br>
+              <a:t>Portanto, ao avaliar um paciente com sintomas de depressão, é importante uma avaliação abrangente que leve em consideração tanto os fatores médicos quanto os psicológicos. Isso pode envolver exames de sangue, testes de função da tireoide e outras avaliações médicas para descartar outras condições que possam estar contribuindo para os sintomas. Um diagnóstico preciso é fundamental para o tratamento adequado.</a:t>
+            </a:r>
+          </a:p>
+          <a:p>
             <a:endParaRPr lang="pt-BR" dirty="0"/>
           </a:p>
         </p:txBody>
@@ -3900,7 +3710,7 @@
     </p:spTree>
     <p:extLst>
       <p:ext uri="{BB962C8B-B14F-4D97-AF65-F5344CB8AC3E}">
-        <p14:creationId xmlns:p14="http://schemas.microsoft.com/office/powerpoint/2010/main" val="1820027213"/>
+        <p14:creationId xmlns:p14="http://schemas.microsoft.com/office/powerpoint/2010/main" val="1736495134"/>
       </p:ext>
     </p:extLst>
   </p:cSld>
@@ -3976,6 +3786,363 @@
           <a:bodyPr/>
           <a:lstStyle/>
           <a:p>
+            <a:pPr algn="just" rtl="0">
+              <a:spcBef>
+                <a:spcPts val="0"/>
+              </a:spcBef>
+              <a:spcAft>
+                <a:spcPts val="0"/>
+              </a:spcAft>
+            </a:pPr>
+            <a:r>
+              <a:rPr lang="pt-BR" sz="1800" b="0" i="0" u="none" strike="noStrike" dirty="0">
+                <a:solidFill>
+                  <a:srgbClr val="000000"/>
+                </a:solidFill>
+                <a:effectLst/>
+                <a:latin typeface="Montserrat" panose="00000500000000000000" pitchFamily="2" charset="0"/>
+              </a:rPr>
+              <a:t>Isso é muito importante, e a identificação de sintomas de mania é fundamental na avaliação de um possível transtorno bipolar. O transtorno bipolar é caracterizado por oscilações entre episódios de depressão e episódios de mania ou hipomania. É importante entender as diferenças entre esses estados de ânimo:</a:t>
+            </a:r>
+            <a:endParaRPr lang="pt-BR" b="0" dirty="0">
+              <a:effectLst/>
+            </a:endParaRPr>
+          </a:p>
+          <a:p>
+            <a:pPr algn="just" rtl="0">
+              <a:spcBef>
+                <a:spcPts val="0"/>
+              </a:spcBef>
+              <a:spcAft>
+                <a:spcPts val="0"/>
+              </a:spcAft>
+            </a:pPr>
+            <a:r>
+              <a:rPr lang="pt-BR" sz="1800" b="0" i="0" u="none" strike="noStrike" dirty="0">
+                <a:solidFill>
+                  <a:srgbClr val="000000"/>
+                </a:solidFill>
+                <a:effectLst/>
+                <a:latin typeface="Montserrat" panose="00000500000000000000" pitchFamily="2" charset="0"/>
+              </a:rPr>
+              <a:t>Mania: Durante um episódio de mania, uma pessoa pode experimentar um humor elevado ou eufórico, aumento de energia, falta de necessidade de sono, pensamentos rápidos e acelerados, aumento de atividade, impulsividade, comportamento de alto risco e uma sensação inflada de autoestima. Os sintomas de mania são mais graves e podem levar a problemas relacionados ao funcionamento social e ocupacional.</a:t>
+            </a:r>
+            <a:endParaRPr lang="pt-BR" b="0" dirty="0">
+              <a:effectLst/>
+            </a:endParaRPr>
+          </a:p>
+          <a:p>
+            <a:pPr algn="just" rtl="0">
+              <a:spcBef>
+                <a:spcPts val="0"/>
+              </a:spcBef>
+              <a:spcAft>
+                <a:spcPts val="0"/>
+              </a:spcAft>
+            </a:pPr>
+            <a:r>
+              <a:rPr lang="pt-BR" sz="1800" b="0" i="0" u="none" strike="noStrike" dirty="0">
+                <a:solidFill>
+                  <a:srgbClr val="000000"/>
+                </a:solidFill>
+                <a:effectLst/>
+                <a:latin typeface="Montserrat" panose="00000500000000000000" pitchFamily="2" charset="0"/>
+              </a:rPr>
+              <a:t>Hipomania: A hipomania é semelhante à mania, mas menos intensa. Ela ainda envolve um humor elevado, aumento de energia e atividade, mas geralmente não causa problemas tão graves no funcionamento da pessoa.</a:t>
+            </a:r>
+            <a:endParaRPr lang="pt-BR" b="0" dirty="0">
+              <a:effectLst/>
+            </a:endParaRPr>
+          </a:p>
+          <a:p>
+            <a:pPr algn="just" rtl="0">
+              <a:spcBef>
+                <a:spcPts val="0"/>
+              </a:spcBef>
+              <a:spcAft>
+                <a:spcPts val="0"/>
+              </a:spcAft>
+            </a:pPr>
+            <a:r>
+              <a:rPr lang="pt-BR" sz="1800" b="0" i="0" u="none" strike="noStrike" dirty="0">
+                <a:solidFill>
+                  <a:srgbClr val="000000"/>
+                </a:solidFill>
+                <a:effectLst/>
+                <a:latin typeface="Montserrat" panose="00000500000000000000" pitchFamily="2" charset="0"/>
+              </a:rPr>
+              <a:t>É importante perguntar ao paciente sobre episódios anteriores de mania ou hipomania, mesmo que eles não ocorressem no momento. Como você sabe, muitas vezes as pessoas com transtorno bipolar podem não perceber ou não se lembrar de seus episódios de euforia, então obter informações de familiares ou pessoas próximas é aprofundado.</a:t>
+            </a:r>
+            <a:endParaRPr lang="pt-BR" b="0" dirty="0">
+              <a:effectLst/>
+            </a:endParaRPr>
+          </a:p>
+          <a:p>
+            <a:pPr algn="just" rtl="0">
+              <a:spcBef>
+                <a:spcPts val="0"/>
+              </a:spcBef>
+              <a:spcAft>
+                <a:spcPts val="0"/>
+              </a:spcAft>
+            </a:pPr>
+            <a:r>
+              <a:rPr lang="pt-BR" sz="1800" b="0" i="0" u="none" strike="noStrike" dirty="0">
+                <a:solidFill>
+                  <a:srgbClr val="000000"/>
+                </a:solidFill>
+                <a:effectLst/>
+                <a:latin typeface="Montserrat" panose="00000500000000000000" pitchFamily="2" charset="0"/>
+              </a:rPr>
+              <a:t>O tratamento para a depressão bipolar é diferente do tratamento para a depressão unipolar (sem episódios de mania). Portanto, identificar corretamente a presença de sintomas de mania é essencial para garantir o tratamento adequado e eficaz.</a:t>
+            </a:r>
+            <a:endParaRPr lang="pt-BR" b="0" dirty="0">
+              <a:effectLst/>
+            </a:endParaRPr>
+          </a:p>
+          <a:p>
+            <a:pPr algn="just" rtl="0">
+              <a:spcBef>
+                <a:spcPts val="0"/>
+              </a:spcBef>
+              <a:spcAft>
+                <a:spcPts val="0"/>
+              </a:spcAft>
+            </a:pPr>
+            <a:r>
+              <a:rPr lang="pt-BR" sz="1800" b="0" i="0" u="none" strike="noStrike" dirty="0">
+                <a:solidFill>
+                  <a:srgbClr val="000000"/>
+                </a:solidFill>
+                <a:effectLst/>
+                <a:latin typeface="Montserrat" panose="00000500000000000000" pitchFamily="2" charset="0"/>
+              </a:rPr>
+              <a:t>Além disso, o transtorno bipolar é uma condição crônica que requer gerenciamento de longo prazo, incluindo medicamentos e terapia. Portanto, o diagnóstico preciso é crucial para o planejamento do tratamento seguro e para ajudar o paciente a gerenciar sua condição ao longo do tempo.</a:t>
+            </a:r>
+            <a:endParaRPr lang="pt-BR" b="0" dirty="0">
+              <a:effectLst/>
+            </a:endParaRPr>
+          </a:p>
+          <a:p>
+            <a:pPr algn="just" rtl="0">
+              <a:spcBef>
+                <a:spcPts val="0"/>
+              </a:spcBef>
+              <a:spcAft>
+                <a:spcPts val="0"/>
+              </a:spcAft>
+            </a:pPr>
+            <a:br>
+              <a:rPr lang="pt-BR" b="0" dirty="0">
+                <a:effectLst/>
+              </a:rPr>
+            </a:br>
+            <a:endParaRPr lang="pt-BR" b="0" dirty="0">
+              <a:effectLst/>
+            </a:endParaRPr>
+          </a:p>
+          <a:p>
+            <a:pPr algn="just" rtl="0">
+              <a:spcBef>
+                <a:spcPts val="0"/>
+              </a:spcBef>
+              <a:spcAft>
+                <a:spcPts val="0"/>
+              </a:spcAft>
+            </a:pPr>
+            <a:r>
+              <a:rPr lang="pt-BR" sz="1800" b="0" i="0" u="none" strike="noStrike" dirty="0">
+                <a:solidFill>
+                  <a:srgbClr val="000000"/>
+                </a:solidFill>
+                <a:effectLst/>
+                <a:latin typeface="Montserrat" panose="00000500000000000000" pitchFamily="2" charset="0"/>
+              </a:rPr>
+              <a:t>Essa é uma abordagem muito importante na avaliação de pacientes com sintomas de depressão. A diferença entre depressão unipolar (também conhecida como depressão maior) e depressão bipolar é fundamental para determinar o tratamento adequado.</a:t>
+            </a:r>
+            <a:endParaRPr lang="pt-BR" b="0" dirty="0">
+              <a:effectLst/>
+            </a:endParaRPr>
+          </a:p>
+          <a:p>
+            <a:pPr algn="just" rtl="0">
+              <a:spcBef>
+                <a:spcPts val="0"/>
+              </a:spcBef>
+              <a:spcAft>
+                <a:spcPts val="0"/>
+              </a:spcAft>
+            </a:pPr>
+            <a:r>
+              <a:rPr lang="pt-BR" sz="1800" b="0" i="0" u="none" strike="noStrike" dirty="0">
+                <a:solidFill>
+                  <a:srgbClr val="000000"/>
+                </a:solidFill>
+                <a:effectLst/>
+                <a:latin typeface="Montserrat" panose="00000500000000000000" pitchFamily="2" charset="0"/>
+              </a:rPr>
+              <a:t>Os sintomas de mania são um indicativo importante de depressão bipolar. É importante que os profissionais de saúde estejam atentos a esses sinais, mesmo que o paciente fique predominantemente deprimido no momento da avaliação, porque os episódios de mania podem ocorrer em momentos diferentes.</a:t>
+            </a:r>
+            <a:endParaRPr lang="pt-BR" b="0" dirty="0">
+              <a:effectLst/>
+            </a:endParaRPr>
+          </a:p>
+          <a:p>
+            <a:pPr algn="just" rtl="0">
+              <a:spcBef>
+                <a:spcPts val="0"/>
+              </a:spcBef>
+              <a:spcAft>
+                <a:spcPts val="0"/>
+              </a:spcAft>
+            </a:pPr>
+            <a:r>
+              <a:rPr lang="pt-BR" sz="1800" b="0" i="0" u="none" strike="noStrike" dirty="0">
+                <a:solidFill>
+                  <a:srgbClr val="000000"/>
+                </a:solidFill>
+                <a:effectLst/>
+                <a:latin typeface="Montserrat" panose="00000500000000000000" pitchFamily="2" charset="0"/>
+              </a:rPr>
+              <a:t>Os sintomas típicos de mania, como aumento de energia, humor elevado, diminuição da necessidade de sono e aumento da atividade impulsiva, são frequentemente percebidos por familiares ou pessoas próximas antes que o paciente os reconheça. Portanto, a coleta de informações junto aos familiares ou cuidadores é crucial.</a:t>
+            </a:r>
+            <a:endParaRPr lang="pt-BR" b="0" dirty="0">
+              <a:effectLst/>
+            </a:endParaRPr>
+          </a:p>
+          <a:p>
+            <a:pPr algn="just" rtl="0">
+              <a:spcBef>
+                <a:spcPts val="0"/>
+              </a:spcBef>
+              <a:spcAft>
+                <a:spcPts val="0"/>
+              </a:spcAft>
+            </a:pPr>
+            <a:r>
+              <a:rPr lang="pt-BR" sz="1800" b="0" i="0" u="none" strike="noStrike" dirty="0">
+                <a:solidFill>
+                  <a:srgbClr val="000000"/>
+                </a:solidFill>
+                <a:effectLst/>
+                <a:latin typeface="Montserrat" panose="00000500000000000000" pitchFamily="2" charset="0"/>
+              </a:rPr>
+              <a:t>Além disso, o tratamento da depressão bipolar é diferente do tratamento da depressão unipolar, já que o uso de antidepressivos pode precipitar episódios de mania em pacientes com depressão bipolar. Portanto, uma avaliação completa dos sintomas e histórico do paciente é essencial para garantir que o tratamento seja adequado e seguro.</a:t>
+            </a:r>
+            <a:endParaRPr lang="pt-BR" b="0" dirty="0">
+              <a:effectLst/>
+            </a:endParaRPr>
+          </a:p>
+          <a:p>
+            <a:pPr algn="just" rtl="0">
+              <a:spcBef>
+                <a:spcPts val="0"/>
+              </a:spcBef>
+              <a:spcAft>
+                <a:spcPts val="0"/>
+              </a:spcAft>
+            </a:pPr>
+            <a:r>
+              <a:rPr lang="pt-BR" sz="1800" b="0" i="0" u="none" strike="noStrike" dirty="0">
+                <a:solidFill>
+                  <a:srgbClr val="000000"/>
+                </a:solidFill>
+                <a:effectLst/>
+                <a:latin typeface="Montserrat" panose="00000500000000000000" pitchFamily="2" charset="0"/>
+              </a:rPr>
+              <a:t>A investigação de sintomas de mania e a obtenção de informações de familiares ou cuidadores são passos importantes na diferenciação entre depressão unipolar e bipolar, permitindo um tratamento mais eficaz e seguro para cada caso.</a:t>
+            </a:r>
+            <a:endParaRPr lang="pt-BR" b="0" dirty="0">
+              <a:effectLst/>
+            </a:endParaRPr>
+          </a:p>
+          <a:p>
+            <a:br>
+              <a:rPr lang="pt-BR" dirty="0"/>
+            </a:br>
+            <a:endParaRPr lang="pt-BR" dirty="0"/>
+          </a:p>
+        </p:txBody>
+      </p:sp>
+    </p:spTree>
+    <p:extLst>
+      <p:ext uri="{BB962C8B-B14F-4D97-AF65-F5344CB8AC3E}">
+        <p14:creationId xmlns:p14="http://schemas.microsoft.com/office/powerpoint/2010/main" val="1820027213"/>
+      </p:ext>
+    </p:extLst>
+  </p:cSld>
+  <p:clrMapOvr>
+    <a:masterClrMapping/>
+  </p:clrMapOvr>
+</p:notes>
+</file>
+
+<file path=ppt/notesSlides/notesSlide12.xml><?xml version="1.0" encoding="utf-8"?>
+<p:notes xmlns:a="http://schemas.openxmlformats.org/drawingml/2006/main" xmlns:r="http://schemas.openxmlformats.org/officeDocument/2006/relationships" xmlns:p="http://schemas.openxmlformats.org/presentationml/2006/main">
+  <p:cSld>
+    <p:spTree>
+      <p:nvGrpSpPr>
+        <p:cNvPr id="1" name=""/>
+        <p:cNvGrpSpPr/>
+        <p:nvPr/>
+      </p:nvGrpSpPr>
+      <p:grpSpPr>
+        <a:xfrm>
+          <a:off x="0" y="0"/>
+          <a:ext cx="0" cy="0"/>
+          <a:chOff x="0" y="0"/>
+          <a:chExt cx="0" cy="0"/>
+        </a:xfrm>
+      </p:grpSpPr>
+      <p:sp>
+        <p:nvSpPr>
+          <p:cNvPr id="2" name="Espaço Reservado para Imagem de Slide 1"/>
+          <p:cNvSpPr>
+            <a:spLocks noGrp="1" noRot="1" noChangeAspect="1"/>
+          </p:cNvSpPr>
+          <p:nvPr>
+            <p:ph type="sldImg"/>
+          </p:nvPr>
+        </p:nvSpPr>
+        <p:spPr>
+          <a:xfrm>
+            <a:off x="-273050" y="1828800"/>
+            <a:ext cx="8775700" cy="4937125"/>
+          </a:xfrm>
+          <a:prstGeom prst="rect">
+            <a:avLst/>
+          </a:prstGeom>
+          <a:noFill/>
+          <a:ln w="12700">
+            <a:solidFill>
+              <a:prstClr val="black"/>
+            </a:solidFill>
+          </a:ln>
+        </p:spPr>
+      </p:sp>
+      <p:sp>
+        <p:nvSpPr>
+          <p:cNvPr id="3" name="Espaço Reservado para Anotações 2"/>
+          <p:cNvSpPr>
+            <a:spLocks noGrp="1"/>
+          </p:cNvSpPr>
+          <p:nvPr>
+            <p:ph type="body" idx="1"/>
+          </p:nvPr>
+        </p:nvSpPr>
+        <p:spPr>
+          <a:xfrm>
+            <a:off x="822325" y="7040563"/>
+            <a:ext cx="6584950" cy="5761037"/>
+          </a:xfrm>
+          <a:prstGeom prst="rect">
+            <a:avLst/>
+          </a:prstGeom>
+        </p:spPr>
+        <p:txBody>
+          <a:bodyPr/>
+          <a:lstStyle/>
+          <a:p>
             <a:pPr algn="l"/>
             <a:r>
               <a:rPr lang="pt-BR" b="0" i="0" dirty="0">
@@ -4084,7 +4251,7 @@
 </p:notes>
 </file>
 
-<file path=ppt/notesSlides/notesSlide12.xml><?xml version="1.0" encoding="utf-8"?>
+<file path=ppt/notesSlides/notesSlide13.xml><?xml version="1.0" encoding="utf-8"?>
 <p:notes xmlns:a="http://schemas.openxmlformats.org/drawingml/2006/main" xmlns:r="http://schemas.openxmlformats.org/officeDocument/2006/relationships" xmlns:p="http://schemas.openxmlformats.org/presentationml/2006/main">
   <p:cSld>
     <p:spTree>
@@ -4304,88 +4471,7 @@
           <a:bodyPr/>
           <a:lstStyle/>
           <a:p>
-            <a:pPr algn="just" rtl="0">
-              <a:spcBef>
-                <a:spcPts val="0"/>
-              </a:spcBef>
-              <a:spcAft>
-                <a:spcPts val="0"/>
-              </a:spcAft>
-            </a:pPr>
-            <a:r>
-              <a:rPr lang="pt-BR" sz="1800" b="0" i="0" u="none" strike="noStrike" dirty="0">
-                <a:solidFill>
-                  <a:srgbClr val="000000"/>
-                </a:solidFill>
-                <a:effectLst/>
-                <a:latin typeface="Montserrat" panose="00000500000000000000" pitchFamily="2" charset="0"/>
-              </a:rPr>
-              <a:t>É inegável que a depressão também cause um impacto significativo no ponto de vista socioeconômico. Ela está associada a elevadas taxas de desemprego, uma vez que as pessoas afetadas muitas vezes perdem a funcionalidade necessária para manter o emprego ou realizar suas atividades diárias. Muitas vezes, os indivíduos não estão cientes de que sofrem de depressão e, como resultado, não conseguem manter seus empregos ou se realocar no mercado de trabalho. Esse ciclo pode agravar ainda mais as condições de vida das pessoas afetadas, criando um impacto negativo em sua estabilidade financeira e bem-estar geral. Portanto, abordar a depressão não apenas melhora a saúde mental, mas também tem implicações significativas para a qualidade de vida e a estabilidade econômica das pessoas.</a:t>
-            </a:r>
-          </a:p>
-          <a:p>
-            <a:pPr algn="just" rtl="0">
-              <a:spcBef>
-                <a:spcPts val="0"/>
-              </a:spcBef>
-              <a:spcAft>
-                <a:spcPts val="0"/>
-              </a:spcAft>
-            </a:pPr>
-            <a:endParaRPr lang="pt-BR" sz="1800" b="0" i="0" u="none" strike="noStrike" dirty="0">
-              <a:solidFill>
-                <a:srgbClr val="000000"/>
-              </a:solidFill>
-              <a:effectLst/>
-              <a:latin typeface="Montserrat" panose="00000500000000000000" pitchFamily="2" charset="0"/>
-            </a:endParaRPr>
-          </a:p>
-          <a:p>
-            <a:pPr algn="just" rtl="0">
-              <a:spcBef>
-                <a:spcPts val="0"/>
-              </a:spcBef>
-              <a:spcAft>
-                <a:spcPts val="0"/>
-              </a:spcAft>
-            </a:pPr>
-            <a:r>
-              <a:rPr lang="pt-BR" sz="1800" b="0" i="0" u="none" strike="noStrike" dirty="0">
-                <a:solidFill>
-                  <a:srgbClr val="000000"/>
-                </a:solidFill>
-                <a:effectLst/>
-                <a:latin typeface="Montserrat" panose="00000500000000000000" pitchFamily="2" charset="0"/>
-              </a:rPr>
-              <a:t>É um fato alarmante que a depressão seja atualmente a principal causa de incapacidade em todo o mundo. Essa condição de saúde mental afeta significativamente a capacidade das pessoas de trabalhar e suas atividades cotidianas de maneira produtiva. Além disso, a depressão é lamentavelmente associada a altas taxas de suicídio, o que torna ainda mais urgente a necessidade de identificação precoce e tratamento eficaz.</a:t>
-            </a:r>
-          </a:p>
-          <a:p>
-            <a:pPr algn="just" rtl="0">
-              <a:spcBef>
-                <a:spcPts val="0"/>
-              </a:spcBef>
-              <a:spcAft>
-                <a:spcPts val="0"/>
-              </a:spcAft>
-            </a:pPr>
-            <a:endParaRPr lang="pt-BR" sz="1800" b="0" i="0" u="none" strike="noStrike" dirty="0">
-              <a:solidFill>
-                <a:srgbClr val="000000"/>
-              </a:solidFill>
-              <a:effectLst/>
-              <a:latin typeface="Montserrat" panose="00000500000000000000" pitchFamily="2" charset="0"/>
-            </a:endParaRPr>
-          </a:p>
-          <a:p>
-            <a:pPr algn="just" rtl="0">
-              <a:spcBef>
-                <a:spcPts val="0"/>
-              </a:spcBef>
-              <a:spcAft>
-                <a:spcPts val="0"/>
-              </a:spcAft>
-            </a:pPr>
+            <a:pPr algn="l"/>
             <a:r>
               <a:rPr lang="pt-BR" b="0" i="0" dirty="0">
                 <a:solidFill>
@@ -4394,26 +4480,43 @@
                 <a:effectLst/>
                 <a:latin typeface="Söhne"/>
               </a:rPr>
-              <a:t>A depressão não é apenas isolada, mas está interligada a várias outras condições de saúde, tanto físicas quanto mentais. Ela está associada a doenças não transmissíveis, como diabetes e hipertensão, bem como a doenças transmissíveis, como tuberculose e HIV. Além disso, a pandemia da COVID-19 agravou ainda mais os casos de depressão e ansiedade, especialmente entre grupos vulneráveis, como os trabalhadores da saúde que estão na linha de frente do combate à pandemia. Eles enfrentam riscos de contaminação, sobrecarga de trabalho e a necessidade de usar Equipamentos de Proteção Individual (EPIs), o que pode agravar ainda mais a saúde mental desses profissionais. Portanto, é crucial cuidar da nossa saúde mental</a:t>
-            </a:r>
-            <a:r>
-              <a:rPr lang="pt-BR" sz="1800" b="0" i="0" u="none" strike="noStrike" dirty="0">
+              <a:t>A depressão é uma prioridade de saúde pública devido à sua alta prevalência, afetando cerca de 322 milhões de pessoas em todo o mundo. Estudos em comunidades demonstram que 4,4% das pessoas fora de ambientes clínicos e hospitalares sofrem de depressão. Esse número aumenta significativamente, chegando a 10% a 20%, entre as pessoas atendidas na atenção primária. Preocupantemente, a OMS relata que até metade das pessoas com depressão que procuram atendimento primário não são abertas. Isso ocorre em parte porque a depressão muitas vezes se manifesta com sintomas físicos, levando ao </a:t>
+            </a:r>
+            <a:r>
+              <a:rPr lang="pt-BR" b="0" i="0" dirty="0" err="1">
                 <a:solidFill>
-                  <a:srgbClr val="000000"/>
+                  <a:srgbClr val="374151"/>
                 </a:solidFill>
                 <a:effectLst/>
-                <a:latin typeface="Montserrat" panose="00000500000000000000" pitchFamily="2" charset="0"/>
+                <a:latin typeface="Söhne"/>
+              </a:rPr>
+              <a:t>subdiagnóstico</a:t>
+            </a:r>
+            <a:r>
+              <a:rPr lang="pt-BR" b="0" i="0" dirty="0">
+                <a:solidFill>
+                  <a:srgbClr val="374151"/>
+                </a:solidFill>
+                <a:effectLst/>
+                <a:latin typeface="Söhne"/>
               </a:rPr>
               <a:t>.</a:t>
             </a:r>
-            <a:endParaRPr lang="pt-BR" b="0" dirty="0">
-              <a:effectLst/>
-            </a:endParaRPr>
-          </a:p>
-          <a:p>
-            <a:br>
-              <a:rPr lang="pt-BR" dirty="0"/>
-            </a:br>
+          </a:p>
+          <a:p>
+            <a:pPr algn="l"/>
+            <a:r>
+              <a:rPr lang="pt-BR" b="0" i="0" dirty="0">
+                <a:solidFill>
+                  <a:srgbClr val="374151"/>
+                </a:solidFill>
+                <a:effectLst/>
+                <a:latin typeface="Söhne"/>
+              </a:rPr>
+              <a:t>Outro aspecto crítico é a depressão pós-parto, que afeta cerca de 10% das mulheres que deram à luz. Isso tem um grande impacto nas famílias, uma vez que as mães deprimidas podem ter dificuldade em interagir com seus recém-nascidos e fornecer o afeto necessário para o desenvolvimento infantil saudável. A interação adequada com os cuidadores desempenha um papel fundamental no desenvolvimento cerebral das crianças, e a falta disso devido à depressão materna pode ter efeitos duradouros. Além disso, a depressão também afeta as relações familiares e a educação dos filhos. Portanto, a abordagem da depressão é crucial tanto em termos de saúde pública quanto de bem-estar familiar.</a:t>
+            </a:r>
+          </a:p>
+          <a:p>
             <a:endParaRPr lang="pt-BR" dirty="0"/>
           </a:p>
         </p:txBody>
@@ -4421,7 +4524,7 @@
     </p:spTree>
     <p:extLst>
       <p:ext uri="{BB962C8B-B14F-4D97-AF65-F5344CB8AC3E}">
-        <p14:creationId xmlns:p14="http://schemas.microsoft.com/office/powerpoint/2010/main" val="2491751482"/>
+        <p14:creationId xmlns:p14="http://schemas.microsoft.com/office/powerpoint/2010/main" val="2961604352"/>
       </p:ext>
     </p:extLst>
   </p:cSld>
@@ -4513,11 +4616,8 @@
                 <a:effectLst/>
                 <a:latin typeface="Montserrat" panose="00000500000000000000" pitchFamily="2" charset="0"/>
               </a:rPr>
-              <a:t>Com certeza, a depressão é uma doença multifatorial, o que significa que não possui uma única causa, mas sim uma interação complexa de diversos fatores. Entre os fatores biológicos, a genética desempenha um papel importante. É comum observar que pessoas com histórico familiar de depressão têm maior probabilidade de desenvolver a condição. No entanto, a genética não é determinante, e a presença de determinados genes apenas contribui para o quadro depressivo.</a:t>
-            </a:r>
-            <a:endParaRPr lang="pt-BR" b="0" dirty="0">
-              <a:effectLst/>
-            </a:endParaRPr>
+              <a:t>É inegável que a depressão também cause um impacto significativo no ponto de vista socioeconômico. Ela está associada a elevadas taxas de desemprego, uma vez que as pessoas afetadas muitas vezes perdem a funcionalidade necessária para manter o emprego ou realizar suas atividades diárias. Muitas vezes, os indivíduos não estão cientes de que sofrem de depressão e, como resultado, não conseguem manter seus empregos ou se realocar no mercado de trabalho. Esse ciclo pode agravar ainda mais as condições de vida das pessoas afetadas, criando um impacto negativo em sua estabilidade financeira e bem-estar geral. Portanto, abordar a depressão não apenas melhora a saúde mental, mas também tem implicações significativas para a qualidade de vida e a estabilidade econômica das pessoas.</a:t>
+            </a:r>
           </a:p>
           <a:p>
             <a:pPr algn="just" rtl="0">
@@ -4528,18 +4628,12 @@
                 <a:spcPts val="0"/>
               </a:spcAft>
             </a:pPr>
-            <a:r>
-              <a:rPr lang="pt-BR" sz="1800" b="0" i="0" u="none" strike="noStrike" dirty="0">
-                <a:solidFill>
-                  <a:srgbClr val="000000"/>
-                </a:solidFill>
-                <a:effectLst/>
-                <a:latin typeface="Montserrat" panose="00000500000000000000" pitchFamily="2" charset="0"/>
-              </a:rPr>
-              <a:t>Além disso, os fatores sociais desempenham um papel significativo. Aspectos socioeconômicos, níveis de escolaridade e acesso aos serviços de saúde podem influenciar o risco de desenvolver depressão. Também é essencial considerar a história de vida de uma pessoa, incluindo experiências na infância e adolescência, bem como estressores acumulados ao longo da vida.</a:t>
-            </a:r>
-            <a:endParaRPr lang="pt-BR" b="0" dirty="0">
+            <a:endParaRPr lang="pt-BR" sz="1800" b="0" i="0" u="none" strike="noStrike" dirty="0">
+              <a:solidFill>
+                <a:srgbClr val="000000"/>
+              </a:solidFill>
               <a:effectLst/>
+              <a:latin typeface="Montserrat" panose="00000500000000000000" pitchFamily="2" charset="0"/>
             </a:endParaRPr>
           </a:p>
           <a:p>
@@ -4559,7 +4653,54 @@
                 <a:effectLst/>
                 <a:latin typeface="Montserrat" panose="00000500000000000000" pitchFamily="2" charset="0"/>
               </a:rPr>
-              <a:t>Um fator crítico é o estresse precoce e experiências traumáticas, como abuso físico, psicológico ou sexual na infância, que podem aumentar o risco de desenvolver depressão mais tarde na vida. Portanto, entender a complexidade desses fatores é fundamental para o diagnóstico, tratamento e prevenção da depressão.</a:t>
+              <a:t>É um fato alarmante que a depressão seja atualmente a principal causa de incapacidade em todo o mundo. Essa condição de saúde mental afeta significativamente a capacidade das pessoas de trabalhar e suas atividades cotidianas de maneira produtiva. Além disso, a depressão é lamentavelmente associada a altas taxas de suicídio, o que torna ainda mais urgente a necessidade de identificação precoce e tratamento eficaz.</a:t>
+            </a:r>
+          </a:p>
+          <a:p>
+            <a:pPr algn="just" rtl="0">
+              <a:spcBef>
+                <a:spcPts val="0"/>
+              </a:spcBef>
+              <a:spcAft>
+                <a:spcPts val="0"/>
+              </a:spcAft>
+            </a:pPr>
+            <a:endParaRPr lang="pt-BR" sz="1800" b="0" i="0" u="none" strike="noStrike" dirty="0">
+              <a:solidFill>
+                <a:srgbClr val="000000"/>
+              </a:solidFill>
+              <a:effectLst/>
+              <a:latin typeface="Montserrat" panose="00000500000000000000" pitchFamily="2" charset="0"/>
+            </a:endParaRPr>
+          </a:p>
+          <a:p>
+            <a:pPr algn="just" rtl="0">
+              <a:spcBef>
+                <a:spcPts val="0"/>
+              </a:spcBef>
+              <a:spcAft>
+                <a:spcPts val="0"/>
+              </a:spcAft>
+            </a:pPr>
+            <a:r>
+              <a:rPr lang="pt-BR" b="0" i="0" dirty="0">
+                <a:solidFill>
+                  <a:srgbClr val="374151"/>
+                </a:solidFill>
+                <a:effectLst/>
+                <a:latin typeface="Söhne"/>
+              </a:rPr>
+              <a:t>A depressão não é apenas isolada, mas está interligada a várias outras condições de saúde, tanto físicas quanto mentais. Ela está associada a doenças não transmissíveis, como diabetes e hipertensão, bem como a doenças transmissíveis, como tuberculose e HIV. Além disso, a pandemia da COVID-19 agravou ainda mais os casos de depressão e ansiedade, especialmente entre grupos vulneráveis, como os trabalhadores da saúde que estão na linha de frente do combate à pandemia. Eles enfrentam riscos de contaminação, sobrecarga de trabalho e a necessidade de usar Equipamentos de Proteção Individual (EPIs), o que pode agravar ainda mais a saúde mental desses profissionais. Portanto, é crucial cuidar da nossa saúde mental</a:t>
+            </a:r>
+            <a:r>
+              <a:rPr lang="pt-BR" sz="1800" b="0" i="0" u="none" strike="noStrike" dirty="0">
+                <a:solidFill>
+                  <a:srgbClr val="000000"/>
+                </a:solidFill>
+                <a:effectLst/>
+                <a:latin typeface="Montserrat" panose="00000500000000000000" pitchFamily="2" charset="0"/>
+              </a:rPr>
+              <a:t>.</a:t>
             </a:r>
             <a:endParaRPr lang="pt-BR" b="0" dirty="0">
               <a:effectLst/>
@@ -4576,7 +4717,7 @@
     </p:spTree>
     <p:extLst>
       <p:ext uri="{BB962C8B-B14F-4D97-AF65-F5344CB8AC3E}">
-        <p14:creationId xmlns:p14="http://schemas.microsoft.com/office/powerpoint/2010/main" val="3988412593"/>
+        <p14:creationId xmlns:p14="http://schemas.microsoft.com/office/powerpoint/2010/main" val="2491751482"/>
       </p:ext>
     </p:extLst>
   </p:cSld>
@@ -4668,7 +4809,7 @@
                 <a:effectLst/>
                 <a:latin typeface="Montserrat" panose="00000500000000000000" pitchFamily="2" charset="0"/>
               </a:rPr>
-              <a:t>Vamos falar sobre a avaliação dos quadros de depressão. Para diagnosticar a depressão, é essencial que um dos dois principais sintomas esteja presente de forma persistente por pelo menos duas semanas. Esses sintomas são:</a:t>
+              <a:t>Com certeza, a depressão é uma doença multifatorial, o que significa que não possui uma única causa, mas sim uma interação complexa de diversos fatores. Entre os fatores biológicos, a genética desempenha um papel importante. É comum observar que pessoas com histórico familiar de depressão têm maior probabilidade de desenvolver a condição. No entanto, a genética não é determinante, e a presença de determinados genes apenas contribui para o quadro depressivo.</a:t>
             </a:r>
             <a:endParaRPr lang="pt-BR" b="0" dirty="0">
               <a:effectLst/>
@@ -4683,11 +4824,16 @@
                 <a:spcPts val="0"/>
               </a:spcAft>
             </a:pPr>
-            <a:br>
-              <a:rPr lang="pt-BR" b="0" dirty="0">
+            <a:r>
+              <a:rPr lang="pt-BR" sz="1800" b="0" i="0" u="none" strike="noStrike" dirty="0">
+                <a:solidFill>
+                  <a:srgbClr val="000000"/>
+                </a:solidFill>
                 <a:effectLst/>
+                <a:latin typeface="Montserrat" panose="00000500000000000000" pitchFamily="2" charset="0"/>
               </a:rPr>
-            </a:br>
+              <a:t>Além disso, os fatores sociais desempenham um papel significativo. Aspectos socioeconômicos, níveis de escolaridade e acesso aos serviços de saúde podem influenciar o risco de desenvolver depressão. Também é essencial considerar a história de vida de uma pessoa, incluindo experiências na infância e adolescência, bem como estressores acumulados ao longo da vida.</a:t>
+            </a:r>
             <a:endParaRPr lang="pt-BR" b="0" dirty="0">
               <a:effectLst/>
             </a:endParaRPr>
@@ -4709,100 +4855,24 @@
                 <a:effectLst/>
                 <a:latin typeface="Montserrat" panose="00000500000000000000" pitchFamily="2" charset="0"/>
               </a:rPr>
-              <a:t>Humor deprimido persistente: A pessoa experimenta uma tristeza profunda e persistente. Esse sentimento de tristeza não desaparece e pode estar presente na maior parte do dia.</a:t>
+              <a:t>Um fator crítico é o estresse precoce e experiências traumáticas, como abuso físico, psicológico ou sexual na infância, que podem aumentar o risco de desenvolver depressão mais tarde na vida. Portanto, entender a complexidade desses fatores é fundamental para o diagnóstico, tratamento e prevenção da depressão.</a:t>
             </a:r>
             <a:endParaRPr lang="pt-BR" b="0" dirty="0">
               <a:effectLst/>
             </a:endParaRPr>
           </a:p>
           <a:p>
-            <a:pPr algn="just" rtl="0">
-              <a:spcBef>
-                <a:spcPts val="0"/>
-              </a:spcBef>
-              <a:spcAft>
-                <a:spcPts val="0"/>
-              </a:spcAft>
-            </a:pPr>
             <a:br>
-              <a:rPr lang="pt-BR" b="0" dirty="0">
-                <a:effectLst/>
-              </a:rPr>
+              <a:rPr lang="pt-BR" dirty="0"/>
             </a:br>
-            <a:endParaRPr lang="pt-BR" b="0" dirty="0">
-              <a:effectLst/>
-            </a:endParaRPr>
-          </a:p>
-          <a:p>
-            <a:pPr algn="just" rtl="0">
-              <a:spcBef>
-                <a:spcPts val="0"/>
-              </a:spcBef>
-              <a:spcAft>
-                <a:spcPts val="0"/>
-              </a:spcAft>
-            </a:pPr>
-            <a:r>
-              <a:rPr lang="pt-BR" sz="1800" b="0" i="0" u="none" strike="noStrike" dirty="0">
-                <a:solidFill>
-                  <a:srgbClr val="000000"/>
-                </a:solidFill>
-                <a:effectLst/>
-                <a:latin typeface="Montserrat" panose="00000500000000000000" pitchFamily="2" charset="0"/>
-              </a:rPr>
-              <a:t>Diminuição do interesse ou prazer (anedonia): A pessoa perde o interesse ou o prazer nas atividades que normalmente costumava desfrutar. Por exemplo, alguém que antes adorava jogar futebol com os amigos no fim de semana pode não sentir mais vontade ou prazer em fazê-lo.</a:t>
-            </a:r>
-            <a:endParaRPr lang="pt-BR" b="0" dirty="0">
-              <a:effectLst/>
-            </a:endParaRPr>
-          </a:p>
-          <a:p>
-            <a:pPr algn="just" rtl="0">
-              <a:spcBef>
-                <a:spcPts val="0"/>
-              </a:spcBef>
-              <a:spcAft>
-                <a:spcPts val="0"/>
-              </a:spcAft>
-            </a:pPr>
-            <a:br>
-              <a:rPr lang="pt-BR" b="0" dirty="0">
-                <a:effectLst/>
-              </a:rPr>
-            </a:br>
-            <a:endParaRPr lang="pt-BR" b="0" dirty="0">
-              <a:effectLst/>
-            </a:endParaRPr>
-          </a:p>
-          <a:p>
-            <a:pPr algn="just" rtl="0">
-              <a:spcBef>
-                <a:spcPts val="0"/>
-              </a:spcBef>
-              <a:spcAft>
-                <a:spcPts val="0"/>
-              </a:spcAft>
-            </a:pPr>
-            <a:r>
-              <a:rPr lang="pt-BR" sz="1800" b="0" i="0" u="none" strike="noStrike" dirty="0">
-                <a:solidFill>
-                  <a:srgbClr val="000000"/>
-                </a:solidFill>
-                <a:effectLst/>
-                <a:latin typeface="Montserrat" panose="00000500000000000000" pitchFamily="2" charset="0"/>
-              </a:rPr>
-              <a:t>Esses sintomas podem estar isolados, mas a presença de pelo menos um deles, persistindo por duas semanas consecutivas, já é um sinal de alerta para um possível quadro de depressão. O tempo é um fator importante nesse diagnóstico. Esses sintomas são conhecidos como "sintomas cardinais" da depressão e formam a base para avaliar essa condição.</a:t>
-            </a:r>
-            <a:endParaRPr lang="pt-BR" b="0" dirty="0">
-              <a:effectLst/>
-            </a:endParaRPr>
+            <a:endParaRPr lang="pt-BR" dirty="0"/>
           </a:p>
         </p:txBody>
       </p:sp>
     </p:spTree>
     <p:extLst>
       <p:ext uri="{BB962C8B-B14F-4D97-AF65-F5344CB8AC3E}">
-        <p14:creationId xmlns:p14="http://schemas.microsoft.com/office/powerpoint/2010/main" val="3320715159"/>
+        <p14:creationId xmlns:p14="http://schemas.microsoft.com/office/powerpoint/2010/main" val="3988412593"/>
       </p:ext>
     </p:extLst>
   </p:cSld>
@@ -4894,7 +4964,7 @@
                 <a:effectLst/>
                 <a:latin typeface="Montserrat" panose="00000500000000000000" pitchFamily="2" charset="0"/>
               </a:rPr>
-              <a:t>A depressão, esta é uma síndrome que, além dos sintomas cardinais mencionados anteriormente, também pode apresentar uma série de outros sintomas. Estes podem incluir:</a:t>
+              <a:t>Vamos falar sobre a avaliação dos quadros de depressão. Para diagnosticar a depressão, é essencial que um dos dois principais sintomas esteja presente de forma persistente por pelo menos duas semanas. Esses sintomas são:</a:t>
             </a:r>
             <a:endParaRPr lang="pt-BR" b="0" dirty="0">
               <a:effectLst/>
@@ -4909,26 +4979,11 @@
                 <a:spcPts val="0"/>
               </a:spcAft>
             </a:pPr>
-            <a:r>
-              <a:rPr lang="pt-BR" sz="1800" b="1" i="0" u="none" strike="noStrike" dirty="0">
-                <a:solidFill>
-                  <a:srgbClr val="000000"/>
-                </a:solidFill>
+            <a:br>
+              <a:rPr lang="pt-BR" b="0" dirty="0">
                 <a:effectLst/>
-                <a:latin typeface="Montserrat" panose="00000500000000000000" pitchFamily="2" charset="0"/>
               </a:rPr>
-              <a:t>Sintomas físicos persistentes:</a:t>
-            </a:r>
-            <a:r>
-              <a:rPr lang="pt-BR" sz="1800" b="0" i="0" u="none" strike="noStrike" dirty="0">
-                <a:solidFill>
-                  <a:srgbClr val="000000"/>
-                </a:solidFill>
-                <a:effectLst/>
-                <a:latin typeface="Montserrat" panose="00000500000000000000" pitchFamily="2" charset="0"/>
-              </a:rPr>
-              <a:t> Muitas vezes, os sintomas físicos sem causa evidente estão presentes. Isso pode incluir dores de cabeça, problemas digestivos, tensão muscular, entre outros.</a:t>
-            </a:r>
+            </a:br>
             <a:endParaRPr lang="pt-BR" b="0" dirty="0">
               <a:effectLst/>
             </a:endParaRPr>
@@ -4943,16 +4998,6 @@
               </a:spcAft>
             </a:pPr>
             <a:r>
-              <a:rPr lang="pt-BR" sz="1800" b="1" i="0" u="none" strike="noStrike" dirty="0">
-                <a:solidFill>
-                  <a:srgbClr val="000000"/>
-                </a:solidFill>
-                <a:effectLst/>
-                <a:latin typeface="Montserrat" panose="00000500000000000000" pitchFamily="2" charset="0"/>
-              </a:rPr>
-              <a:t>Problemas de sono:</a:t>
-            </a:r>
-            <a:r>
               <a:rPr lang="pt-BR" sz="1800" b="0" i="0" u="none" strike="noStrike" dirty="0">
                 <a:solidFill>
                   <a:srgbClr val="000000"/>
@@ -4960,7 +5005,7 @@
                 <a:effectLst/>
                 <a:latin typeface="Montserrat" panose="00000500000000000000" pitchFamily="2" charset="0"/>
               </a:rPr>
-              <a:t> A pessoa com depressão pode experimentar problemas de sono, como insônia, dificuldade em adormecer, sono fragmentado (acordar várias vezes durante a noite), ou acordar muito cedo e não conseguir voltar a dormir.</a:t>
+              <a:t>Humor deprimido persistente: A pessoa experimenta uma tristeza profunda e persistente. Esse sentimento de tristeza não desaparece e pode estar presente na maior parte do dia.</a:t>
             </a:r>
             <a:endParaRPr lang="pt-BR" b="0" dirty="0">
               <a:effectLst/>
@@ -4975,26 +5020,11 @@
                 <a:spcPts val="0"/>
               </a:spcAft>
             </a:pPr>
-            <a:r>
-              <a:rPr lang="pt-BR" sz="1800" b="1" i="0" u="none" strike="noStrike" dirty="0">
-                <a:solidFill>
-                  <a:srgbClr val="000000"/>
-                </a:solidFill>
+            <a:br>
+              <a:rPr lang="pt-BR" b="0" dirty="0">
                 <a:effectLst/>
-                <a:latin typeface="Montserrat" panose="00000500000000000000" pitchFamily="2" charset="0"/>
               </a:rPr>
-              <a:t>Baixa energia e fadiga:</a:t>
-            </a:r>
-            <a:r>
-              <a:rPr lang="pt-BR" sz="1800" b="0" i="0" u="none" strike="noStrike" dirty="0">
-                <a:solidFill>
-                  <a:srgbClr val="000000"/>
-                </a:solidFill>
-                <a:effectLst/>
-                <a:latin typeface="Montserrat" panose="00000500000000000000" pitchFamily="2" charset="0"/>
-              </a:rPr>
-              <a:t> A sensação de cansaço constante e a falta de energia são comuns na depressão.</a:t>
-            </a:r>
+            </a:br>
             <a:endParaRPr lang="pt-BR" b="0" dirty="0">
               <a:effectLst/>
             </a:endParaRPr>
@@ -5009,16 +5039,6 @@
               </a:spcAft>
             </a:pPr>
             <a:r>
-              <a:rPr lang="pt-BR" sz="1800" b="1" i="0" u="none" strike="noStrike" dirty="0">
-                <a:solidFill>
-                  <a:srgbClr val="000000"/>
-                </a:solidFill>
-                <a:effectLst/>
-                <a:latin typeface="Montserrat" panose="00000500000000000000" pitchFamily="2" charset="0"/>
-              </a:rPr>
-              <a:t>Alterações no apetite:</a:t>
-            </a:r>
-            <a:r>
               <a:rPr lang="pt-BR" sz="1800" b="0" i="0" u="none" strike="noStrike" dirty="0">
                 <a:solidFill>
                   <a:srgbClr val="000000"/>
@@ -5026,7 +5046,7 @@
                 <a:effectLst/>
                 <a:latin typeface="Montserrat" panose="00000500000000000000" pitchFamily="2" charset="0"/>
               </a:rPr>
-              <a:t> Pode haver uma perda significativa de apetite, resultando em perda de peso, ou um aumento no apetite, levando ao ganho de peso.</a:t>
+              <a:t>Diminuição do interesse ou prazer (anedonia): A pessoa perde o interesse ou o prazer nas atividades que normalmente costumava desfrutar. Por exemplo, alguém que antes adorava jogar futebol com os amigos no fim de semana pode não sentir mais vontade ou prazer em fazê-lo.</a:t>
             </a:r>
             <a:endParaRPr lang="pt-BR" b="0" dirty="0">
               <a:effectLst/>
@@ -5041,26 +5061,11 @@
                 <a:spcPts val="0"/>
               </a:spcAft>
             </a:pPr>
-            <a:r>
-              <a:rPr lang="pt-BR" sz="1800" b="1" i="0" u="none" strike="noStrike" dirty="0">
-                <a:solidFill>
-                  <a:srgbClr val="000000"/>
-                </a:solidFill>
+            <a:br>
+              <a:rPr lang="pt-BR" b="0" dirty="0">
                 <a:effectLst/>
-                <a:latin typeface="Montserrat" panose="00000500000000000000" pitchFamily="2" charset="0"/>
               </a:rPr>
-              <a:t>Pensamentos negativos:</a:t>
-            </a:r>
-            <a:r>
-              <a:rPr lang="pt-BR" sz="1800" b="0" i="0" u="none" strike="noStrike" dirty="0">
-                <a:solidFill>
-                  <a:srgbClr val="000000"/>
-                </a:solidFill>
-                <a:effectLst/>
-                <a:latin typeface="Montserrat" panose="00000500000000000000" pitchFamily="2" charset="0"/>
-              </a:rPr>
-              <a:t> Pensamentos de inutilidade e culpa são frequentes. A pessoa pode acreditar que tudo é sua culpa e que ela não serve para nada.</a:t>
-            </a:r>
+            </a:br>
             <a:endParaRPr lang="pt-BR" b="0" dirty="0">
               <a:effectLst/>
             </a:endParaRPr>
@@ -5075,16 +5080,6 @@
               </a:spcAft>
             </a:pPr>
             <a:r>
-              <a:rPr lang="pt-BR" sz="1800" b="1" i="0" u="none" strike="noStrike" dirty="0">
-                <a:solidFill>
-                  <a:srgbClr val="000000"/>
-                </a:solidFill>
-                <a:effectLst/>
-                <a:latin typeface="Montserrat" panose="00000500000000000000" pitchFamily="2" charset="0"/>
-              </a:rPr>
-              <a:t>Indecisão:</a:t>
-            </a:r>
-            <a:r>
               <a:rPr lang="pt-BR" sz="1800" b="0" i="0" u="none" strike="noStrike" dirty="0">
                 <a:solidFill>
                   <a:srgbClr val="000000"/>
@@ -5092,77 +5087,18 @@
                 <a:effectLst/>
                 <a:latin typeface="Montserrat" panose="00000500000000000000" pitchFamily="2" charset="0"/>
               </a:rPr>
-              <a:t> Dificuldade em tomar decisões simples do dia a dia.</a:t>
+              <a:t>Esses sintomas podem estar isolados, mas a presença de pelo menos um deles, persistindo por duas semanas consecutivas, já é um sinal de alerta para um possível quadro de depressão. O tempo é um fator importante nesse diagnóstico. Esses sintomas são conhecidos como "sintomas cardinais" da depressão e formam a base para avaliar essa condição.</a:t>
             </a:r>
             <a:endParaRPr lang="pt-BR" b="0" dirty="0">
               <a:effectLst/>
             </a:endParaRPr>
-          </a:p>
-          <a:p>
-            <a:pPr algn="just" rtl="0">
-              <a:spcBef>
-                <a:spcPts val="0"/>
-              </a:spcBef>
-              <a:spcAft>
-                <a:spcPts val="0"/>
-              </a:spcAft>
-            </a:pPr>
-            <a:r>
-              <a:rPr lang="pt-BR" sz="1800" b="1" i="0" u="none" strike="noStrike" dirty="0">
-                <a:solidFill>
-                  <a:srgbClr val="000000"/>
-                </a:solidFill>
-                <a:effectLst/>
-                <a:latin typeface="Montserrat" panose="00000500000000000000" pitchFamily="2" charset="0"/>
-              </a:rPr>
-              <a:t>Desesperança: </a:t>
-            </a:r>
-            <a:r>
-              <a:rPr lang="pt-BR" sz="1800" b="0" i="0" u="none" strike="noStrike" dirty="0">
-                <a:solidFill>
-                  <a:srgbClr val="000000"/>
-                </a:solidFill>
-                <a:effectLst/>
-                <a:latin typeface="Montserrat" panose="00000500000000000000" pitchFamily="2" charset="0"/>
-              </a:rPr>
-              <a:t>Muitas vezes, a pessoa deprimida acredita que nada vai melhorar, que seus problemas são insolúveis. Isso está intimamente ligado ao comportamento suicida, com pensamentos e ações suicidas.</a:t>
-            </a:r>
-            <a:endParaRPr lang="pt-BR" b="0" dirty="0">
-              <a:effectLst/>
-            </a:endParaRPr>
-          </a:p>
-          <a:p>
-            <a:pPr algn="just" rtl="0">
-              <a:spcBef>
-                <a:spcPts val="0"/>
-              </a:spcBef>
-              <a:spcAft>
-                <a:spcPts val="0"/>
-              </a:spcAft>
-            </a:pPr>
-            <a:r>
-              <a:rPr lang="pt-BR" sz="1800" b="0" i="0" u="none" strike="noStrike" dirty="0">
-                <a:solidFill>
-                  <a:srgbClr val="000000"/>
-                </a:solidFill>
-                <a:effectLst/>
-                <a:latin typeface="Montserrat" panose="00000500000000000000" pitchFamily="2" charset="0"/>
-              </a:rPr>
-              <a:t>É importante lembrar que a depressão não precisa necessariamente apresentar todos esses sintomas. O diagnóstico é baseado na presença dos sintomas cardinais e em outros sintomas que podem variar de pessoa para pessoa. </a:t>
-            </a:r>
-            <a:endParaRPr lang="pt-BR" b="0" dirty="0">
-              <a:effectLst/>
-            </a:endParaRPr>
-          </a:p>
-          <a:p>
-            <a:endParaRPr lang="pt-BR" dirty="0"/>
           </a:p>
         </p:txBody>
       </p:sp>
     </p:spTree>
     <p:extLst>
       <p:ext uri="{BB962C8B-B14F-4D97-AF65-F5344CB8AC3E}">
-        <p14:creationId xmlns:p14="http://schemas.microsoft.com/office/powerpoint/2010/main" val="435108348"/>
+        <p14:creationId xmlns:p14="http://schemas.microsoft.com/office/powerpoint/2010/main" val="3320715159"/>
       </p:ext>
     </p:extLst>
   </p:cSld>
@@ -5238,17 +5174,291 @@
           <a:bodyPr/>
           <a:lstStyle/>
           <a:p>
-            <a:r>
-              <a:rPr lang="pt-BR" dirty="0"/>
-              <a:t>importante para o diagnóstico da depressão é a presença de um prejuízo específico na capacidade funcional diária da pessoa. Isso significa que a depressão afeta características da capacidade da pessoa de realizar suas atividades diárias de maneira eficaz. Isso pode incluir prejuízos no desempenho no trabalho, dificuldades nos relacionamentos interpessoais, incluindo familiares e amigos, e um impacto geral na qualidade de vida da pessoa. O reconhecimento desse prejuízo funcional é fundamental para um diagnóstico preciso da depressão, pois ajuda a diferenciar os sintomas da depressão de outras condições médicas ou emocionais.</a:t>
-            </a:r>
+            <a:pPr algn="just" rtl="0">
+              <a:spcBef>
+                <a:spcPts val="0"/>
+              </a:spcBef>
+              <a:spcAft>
+                <a:spcPts val="0"/>
+              </a:spcAft>
+            </a:pPr>
+            <a:r>
+              <a:rPr lang="pt-BR" sz="1800" b="0" i="0" u="none" strike="noStrike" dirty="0">
+                <a:solidFill>
+                  <a:srgbClr val="000000"/>
+                </a:solidFill>
+                <a:effectLst/>
+                <a:latin typeface="Montserrat" panose="00000500000000000000" pitchFamily="2" charset="0"/>
+              </a:rPr>
+              <a:t>A depressão, esta é uma síndrome que, além dos sintomas cardinais mencionados anteriormente, também pode apresentar uma série de outros sintomas. Estes podem incluir:</a:t>
+            </a:r>
+            <a:endParaRPr lang="pt-BR" b="0" dirty="0">
+              <a:effectLst/>
+            </a:endParaRPr>
+          </a:p>
+          <a:p>
+            <a:pPr algn="just" rtl="0">
+              <a:spcBef>
+                <a:spcPts val="0"/>
+              </a:spcBef>
+              <a:spcAft>
+                <a:spcPts val="0"/>
+              </a:spcAft>
+            </a:pPr>
+            <a:r>
+              <a:rPr lang="pt-BR" sz="1800" b="1" i="0" u="none" strike="noStrike" dirty="0">
+                <a:solidFill>
+                  <a:srgbClr val="000000"/>
+                </a:solidFill>
+                <a:effectLst/>
+                <a:latin typeface="Montserrat" panose="00000500000000000000" pitchFamily="2" charset="0"/>
+              </a:rPr>
+              <a:t>Sintomas físicos persistentes:</a:t>
+            </a:r>
+            <a:r>
+              <a:rPr lang="pt-BR" sz="1800" b="0" i="0" u="none" strike="noStrike" dirty="0">
+                <a:solidFill>
+                  <a:srgbClr val="000000"/>
+                </a:solidFill>
+                <a:effectLst/>
+                <a:latin typeface="Montserrat" panose="00000500000000000000" pitchFamily="2" charset="0"/>
+              </a:rPr>
+              <a:t> Muitas vezes, os sintomas físicos sem causa evidente estão presentes. Isso pode incluir dores de cabeça, problemas digestivos, tensão muscular, entre outros.</a:t>
+            </a:r>
+            <a:endParaRPr lang="pt-BR" b="0" dirty="0">
+              <a:effectLst/>
+            </a:endParaRPr>
+          </a:p>
+          <a:p>
+            <a:pPr algn="just" rtl="0">
+              <a:spcBef>
+                <a:spcPts val="0"/>
+              </a:spcBef>
+              <a:spcAft>
+                <a:spcPts val="0"/>
+              </a:spcAft>
+            </a:pPr>
+            <a:r>
+              <a:rPr lang="pt-BR" sz="1800" b="1" i="0" u="none" strike="noStrike" dirty="0">
+                <a:solidFill>
+                  <a:srgbClr val="000000"/>
+                </a:solidFill>
+                <a:effectLst/>
+                <a:latin typeface="Montserrat" panose="00000500000000000000" pitchFamily="2" charset="0"/>
+              </a:rPr>
+              <a:t>Problemas de sono:</a:t>
+            </a:r>
+            <a:r>
+              <a:rPr lang="pt-BR" sz="1800" b="0" i="0" u="none" strike="noStrike" dirty="0">
+                <a:solidFill>
+                  <a:srgbClr val="000000"/>
+                </a:solidFill>
+                <a:effectLst/>
+                <a:latin typeface="Montserrat" panose="00000500000000000000" pitchFamily="2" charset="0"/>
+              </a:rPr>
+              <a:t> A pessoa com depressão pode experimentar problemas de sono, como insônia, dificuldade em adormecer, sono fragmentado (acordar várias vezes durante a noite), ou acordar muito cedo e não conseguir voltar a dormir.</a:t>
+            </a:r>
+            <a:endParaRPr lang="pt-BR" b="0" dirty="0">
+              <a:effectLst/>
+            </a:endParaRPr>
+          </a:p>
+          <a:p>
+            <a:pPr algn="just" rtl="0">
+              <a:spcBef>
+                <a:spcPts val="0"/>
+              </a:spcBef>
+              <a:spcAft>
+                <a:spcPts val="0"/>
+              </a:spcAft>
+            </a:pPr>
+            <a:r>
+              <a:rPr lang="pt-BR" sz="1800" b="1" i="0" u="none" strike="noStrike" dirty="0">
+                <a:solidFill>
+                  <a:srgbClr val="000000"/>
+                </a:solidFill>
+                <a:effectLst/>
+                <a:latin typeface="Montserrat" panose="00000500000000000000" pitchFamily="2" charset="0"/>
+              </a:rPr>
+              <a:t>Baixa energia e fadiga:</a:t>
+            </a:r>
+            <a:r>
+              <a:rPr lang="pt-BR" sz="1800" b="0" i="0" u="none" strike="noStrike" dirty="0">
+                <a:solidFill>
+                  <a:srgbClr val="000000"/>
+                </a:solidFill>
+                <a:effectLst/>
+                <a:latin typeface="Montserrat" panose="00000500000000000000" pitchFamily="2" charset="0"/>
+              </a:rPr>
+              <a:t> A sensação de cansaço constante e a falta de energia são comuns na depressão.</a:t>
+            </a:r>
+            <a:endParaRPr lang="pt-BR" b="0" dirty="0">
+              <a:effectLst/>
+            </a:endParaRPr>
+          </a:p>
+          <a:p>
+            <a:pPr algn="just" rtl="0">
+              <a:spcBef>
+                <a:spcPts val="0"/>
+              </a:spcBef>
+              <a:spcAft>
+                <a:spcPts val="0"/>
+              </a:spcAft>
+            </a:pPr>
+            <a:r>
+              <a:rPr lang="pt-BR" sz="1800" b="1" i="0" u="none" strike="noStrike" dirty="0">
+                <a:solidFill>
+                  <a:srgbClr val="000000"/>
+                </a:solidFill>
+                <a:effectLst/>
+                <a:latin typeface="Montserrat" panose="00000500000000000000" pitchFamily="2" charset="0"/>
+              </a:rPr>
+              <a:t>Alterações no apetite:</a:t>
+            </a:r>
+            <a:r>
+              <a:rPr lang="pt-BR" sz="1800" b="0" i="0" u="none" strike="noStrike" dirty="0">
+                <a:solidFill>
+                  <a:srgbClr val="000000"/>
+                </a:solidFill>
+                <a:effectLst/>
+                <a:latin typeface="Montserrat" panose="00000500000000000000" pitchFamily="2" charset="0"/>
+              </a:rPr>
+              <a:t> Pode haver uma perda significativa de apetite, resultando em perda de peso, ou um aumento no apetite, levando ao ganho de peso.</a:t>
+            </a:r>
+            <a:endParaRPr lang="pt-BR" b="0" dirty="0">
+              <a:effectLst/>
+            </a:endParaRPr>
+          </a:p>
+          <a:p>
+            <a:pPr algn="just" rtl="0">
+              <a:spcBef>
+                <a:spcPts val="0"/>
+              </a:spcBef>
+              <a:spcAft>
+                <a:spcPts val="0"/>
+              </a:spcAft>
+            </a:pPr>
+            <a:r>
+              <a:rPr lang="pt-BR" sz="1800" b="1" i="0" u="none" strike="noStrike" dirty="0">
+                <a:solidFill>
+                  <a:srgbClr val="000000"/>
+                </a:solidFill>
+                <a:effectLst/>
+                <a:latin typeface="Montserrat" panose="00000500000000000000" pitchFamily="2" charset="0"/>
+              </a:rPr>
+              <a:t>Pensamentos negativos:</a:t>
+            </a:r>
+            <a:r>
+              <a:rPr lang="pt-BR" sz="1800" b="0" i="0" u="none" strike="noStrike" dirty="0">
+                <a:solidFill>
+                  <a:srgbClr val="000000"/>
+                </a:solidFill>
+                <a:effectLst/>
+                <a:latin typeface="Montserrat" panose="00000500000000000000" pitchFamily="2" charset="0"/>
+              </a:rPr>
+              <a:t> Pensamentos de inutilidade e culpa são frequentes. A pessoa pode acreditar que tudo é sua culpa e que ela não serve para nada.</a:t>
+            </a:r>
+            <a:endParaRPr lang="pt-BR" b="0" dirty="0">
+              <a:effectLst/>
+            </a:endParaRPr>
+          </a:p>
+          <a:p>
+            <a:pPr algn="just" rtl="0">
+              <a:spcBef>
+                <a:spcPts val="0"/>
+              </a:spcBef>
+              <a:spcAft>
+                <a:spcPts val="0"/>
+              </a:spcAft>
+            </a:pPr>
+            <a:r>
+              <a:rPr lang="pt-BR" sz="1800" b="1" i="0" u="none" strike="noStrike" dirty="0">
+                <a:solidFill>
+                  <a:srgbClr val="000000"/>
+                </a:solidFill>
+                <a:effectLst/>
+                <a:latin typeface="Montserrat" panose="00000500000000000000" pitchFamily="2" charset="0"/>
+              </a:rPr>
+              <a:t>Indecisão:</a:t>
+            </a:r>
+            <a:r>
+              <a:rPr lang="pt-BR" sz="1800" b="0" i="0" u="none" strike="noStrike" dirty="0">
+                <a:solidFill>
+                  <a:srgbClr val="000000"/>
+                </a:solidFill>
+                <a:effectLst/>
+                <a:latin typeface="Montserrat" panose="00000500000000000000" pitchFamily="2" charset="0"/>
+              </a:rPr>
+              <a:t> Dificuldade em tomar decisões simples do dia a dia.</a:t>
+            </a:r>
+            <a:endParaRPr lang="pt-BR" b="0" dirty="0">
+              <a:effectLst/>
+            </a:endParaRPr>
+          </a:p>
+          <a:p>
+            <a:pPr algn="just" rtl="0">
+              <a:spcBef>
+                <a:spcPts val="0"/>
+              </a:spcBef>
+              <a:spcAft>
+                <a:spcPts val="0"/>
+              </a:spcAft>
+            </a:pPr>
+            <a:r>
+              <a:rPr lang="pt-BR" sz="1800" b="1" i="0" u="none" strike="noStrike" dirty="0">
+                <a:solidFill>
+                  <a:srgbClr val="000000"/>
+                </a:solidFill>
+                <a:effectLst/>
+                <a:latin typeface="Montserrat" panose="00000500000000000000" pitchFamily="2" charset="0"/>
+              </a:rPr>
+              <a:t>Desesperança: </a:t>
+            </a:r>
+            <a:r>
+              <a:rPr lang="pt-BR" sz="1800" b="0" i="0" u="none" strike="noStrike" dirty="0">
+                <a:solidFill>
+                  <a:srgbClr val="000000"/>
+                </a:solidFill>
+                <a:effectLst/>
+                <a:latin typeface="Montserrat" panose="00000500000000000000" pitchFamily="2" charset="0"/>
+              </a:rPr>
+              <a:t>Muitas vezes, a pessoa deprimida acredita que nada vai melhorar, que seus problemas são insolúveis. Isso está intimamente ligado ao comportamento suicida, com pensamentos e ações suicidas.</a:t>
+            </a:r>
+            <a:endParaRPr lang="pt-BR" b="0" dirty="0">
+              <a:effectLst/>
+            </a:endParaRPr>
+          </a:p>
+          <a:p>
+            <a:pPr algn="just" rtl="0">
+              <a:spcBef>
+                <a:spcPts val="0"/>
+              </a:spcBef>
+              <a:spcAft>
+                <a:spcPts val="0"/>
+              </a:spcAft>
+            </a:pPr>
+            <a:r>
+              <a:rPr lang="pt-BR" sz="1800" b="0" i="0" u="none" strike="noStrike" dirty="0">
+                <a:solidFill>
+                  <a:srgbClr val="000000"/>
+                </a:solidFill>
+                <a:effectLst/>
+                <a:latin typeface="Montserrat" panose="00000500000000000000" pitchFamily="2" charset="0"/>
+              </a:rPr>
+              <a:t>É importante lembrar que a depressão não precisa necessariamente apresentar todos esses sintomas. O diagnóstico é baseado na presença dos sintomas cardinais e em outros sintomas que podem variar de pessoa para pessoa. </a:t>
+            </a:r>
+            <a:endParaRPr lang="pt-BR" b="0" dirty="0">
+              <a:effectLst/>
+            </a:endParaRPr>
+          </a:p>
+          <a:p>
+            <a:endParaRPr lang="pt-BR" dirty="0"/>
           </a:p>
         </p:txBody>
       </p:sp>
     </p:spTree>
     <p:extLst>
       <p:ext uri="{BB962C8B-B14F-4D97-AF65-F5344CB8AC3E}">
-        <p14:creationId xmlns:p14="http://schemas.microsoft.com/office/powerpoint/2010/main" val="952626215"/>
+        <p14:creationId xmlns:p14="http://schemas.microsoft.com/office/powerpoint/2010/main" val="435108348"/>
       </p:ext>
     </p:extLst>
   </p:cSld>
@@ -5324,49 +5534,17 @@
           <a:bodyPr/>
           <a:lstStyle/>
           <a:p>
-            <a:pPr algn="l"/>
-            <a:r>
-              <a:rPr lang="pt-BR" b="0" i="0" dirty="0">
-                <a:solidFill>
-                  <a:srgbClr val="000000"/>
-                </a:solidFill>
-                <a:effectLst/>
-                <a:latin typeface="Söhne"/>
-              </a:rPr>
-              <a:t>Para que o diagnóstico de depressão seja feito, geralmente é necessário que a pessoa apresente sintomas como tristeza persistente ou anedonia (diminuição do interesse ou prazer) associados a outros sintomas comuns da depressão, como fadiga, alteração de apetite, alterações no sono, entre outros . No entanto, é crucial que esses sintomas causem um prejuízo significativo na capacidade funcional diária da pessoa. Se os sintomas de depressão estiverem presentes, mas não houver um prejuízo funcional substancial, o diagnóstico de depressão pode não ser aplicável, e a condição pode ser considerada como algo diferente, como uma tristeza temporária.</a:t>
-            </a:r>
-          </a:p>
-          <a:p>
-            <a:pPr algn="l"/>
-            <a:r>
-              <a:rPr lang="pt-BR" b="0" i="0" dirty="0">
-                <a:solidFill>
-                  <a:srgbClr val="000000"/>
-                </a:solidFill>
-                <a:effectLst/>
-                <a:latin typeface="Söhne"/>
-              </a:rPr>
-              <a:t>O prejuízo funcional é um dos critérios importantes para distinguir a depressão de outras emoções ou estados de ânimo dos passageiros que todos nós experimentamos em algum momento. Portanto, é fundamental que um profissional de saúde mental avalie cuidadosamente a situação para fazer um diagnóstico preciso e determinar a necessidade de tratamento.</a:t>
-            </a:r>
-          </a:p>
-          <a:p>
-            <a:br>
-              <a:rPr lang="pt-BR" b="0" i="0" dirty="0">
-                <a:solidFill>
-                  <a:srgbClr val="000000"/>
-                </a:solidFill>
-                <a:effectLst/>
-                <a:latin typeface="Söhne"/>
-              </a:rPr>
-            </a:br>
-            <a:endParaRPr lang="pt-BR" dirty="0"/>
+            <a:r>
+              <a:rPr lang="pt-BR" dirty="0"/>
+              <a:t>importante para o diagnóstico da depressão é a presença de um prejuízo específico na capacidade funcional diária da pessoa. Isso significa que a depressão afeta características da capacidade da pessoa de realizar suas atividades diárias de maneira eficaz. Isso pode incluir prejuízos no desempenho no trabalho, dificuldades nos relacionamentos interpessoais, incluindo familiares e amigos, e um impacto geral na qualidade de vida da pessoa. O reconhecimento desse prejuízo funcional é fundamental para um diagnóstico preciso da depressão, pois ajuda a diferenciar os sintomas da depressão de outras condições médicas ou emocionais.</a:t>
+            </a:r>
           </a:p>
         </p:txBody>
       </p:sp>
     </p:spTree>
     <p:extLst>
       <p:ext uri="{BB962C8B-B14F-4D97-AF65-F5344CB8AC3E}">
-        <p14:creationId xmlns:p14="http://schemas.microsoft.com/office/powerpoint/2010/main" val="864817110"/>
+        <p14:creationId xmlns:p14="http://schemas.microsoft.com/office/powerpoint/2010/main" val="952626215"/>
       </p:ext>
     </p:extLst>
   </p:cSld>
@@ -5442,17 +5620,49 @@
           <a:bodyPr/>
           <a:lstStyle/>
           <a:p>
-            <a:r>
-              <a:rPr lang="pt-BR" dirty="0"/>
-              <a:t>Essa segunda parte da avaliação está dividida em 3 etapas</a:t>
-            </a:r>
+            <a:pPr algn="l"/>
+            <a:r>
+              <a:rPr lang="pt-BR" b="0" i="0" dirty="0">
+                <a:solidFill>
+                  <a:srgbClr val="000000"/>
+                </a:solidFill>
+                <a:effectLst/>
+                <a:latin typeface="Söhne"/>
+              </a:rPr>
+              <a:t>Para que o diagnóstico de depressão seja feito, geralmente é necessário que a pessoa apresente sintomas como tristeza persistente ou anedonia (diminuição do interesse ou prazer) associados a outros sintomas comuns da depressão, como fadiga, alteração de apetite, alterações no sono, entre outros . No entanto, é crucial que esses sintomas causem um prejuízo significativo na capacidade funcional diária da pessoa. Se os sintomas de depressão estiverem presentes, mas não houver um prejuízo funcional substancial, o diagnóstico de depressão pode não ser aplicável, e a condição pode ser considerada como algo diferente, como uma tristeza temporária.</a:t>
+            </a:r>
+          </a:p>
+          <a:p>
+            <a:pPr algn="l"/>
+            <a:r>
+              <a:rPr lang="pt-BR" b="0" i="0" dirty="0">
+                <a:solidFill>
+                  <a:srgbClr val="000000"/>
+                </a:solidFill>
+                <a:effectLst/>
+                <a:latin typeface="Söhne"/>
+              </a:rPr>
+              <a:t>O prejuízo funcional é um dos critérios importantes para distinguir a depressão de outras emoções ou estados de ânimo dos passageiros que todos nós experimentamos em algum momento. Portanto, é fundamental que um profissional de saúde mental avalie cuidadosamente a situação para fazer um diagnóstico preciso e determinar a necessidade de tratamento.</a:t>
+            </a:r>
+          </a:p>
+          <a:p>
+            <a:br>
+              <a:rPr lang="pt-BR" b="0" i="0" dirty="0">
+                <a:solidFill>
+                  <a:srgbClr val="000000"/>
+                </a:solidFill>
+                <a:effectLst/>
+                <a:latin typeface="Söhne"/>
+              </a:rPr>
+            </a:br>
+            <a:endParaRPr lang="pt-BR" dirty="0"/>
           </a:p>
         </p:txBody>
       </p:sp>
     </p:spTree>
     <p:extLst>
       <p:ext uri="{BB962C8B-B14F-4D97-AF65-F5344CB8AC3E}">
-        <p14:creationId xmlns:p14="http://schemas.microsoft.com/office/powerpoint/2010/main" val="2641587185"/>
+        <p14:creationId xmlns:p14="http://schemas.microsoft.com/office/powerpoint/2010/main" val="864817110"/>
       </p:ext>
     </p:extLst>
   </p:cSld>
@@ -5528,144 +5738,17 @@
           <a:bodyPr/>
           <a:lstStyle/>
           <a:p>
-            <a:pPr algn="l"/>
-            <a:r>
-              <a:rPr lang="pt-BR" b="0" i="0" dirty="0">
-                <a:solidFill>
-                  <a:srgbClr val="374151"/>
-                </a:solidFill>
-                <a:effectLst/>
-                <a:latin typeface="Söhne"/>
-              </a:rPr>
-              <a:t>é muito importante considerar outras possibilidades de explicação para os sintomas apresentados pelo paciente, além da depressão. Existem várias condições médicas e psicológicas que podem mimetizar ou agravar os sintomas da depressão. Aqui estão algumas delas:</a:t>
-            </a:r>
-          </a:p>
-          <a:p>
-            <a:pPr algn="l">
-              <a:buFont typeface="+mj-lt"/>
-              <a:buAutoNum type="arabicPeriod"/>
-            </a:pPr>
-            <a:r>
-              <a:rPr lang="pt-BR" b="1" i="0" dirty="0">
-                <a:solidFill>
-                  <a:srgbClr val="374151"/>
-                </a:solidFill>
-                <a:effectLst/>
-                <a:latin typeface="Söhne"/>
-              </a:rPr>
-              <a:t>Anemia:</a:t>
-            </a:r>
-            <a:r>
-              <a:rPr lang="pt-BR" b="0" i="0" dirty="0">
-                <a:solidFill>
-                  <a:srgbClr val="374151"/>
-                </a:solidFill>
-                <a:effectLst/>
-                <a:latin typeface="Söhne"/>
-              </a:rPr>
-              <a:t> A anemia é uma condição em que o corpo não tem glóbulos vermelhos saudáveis ​​​​suficientes para transportar oxigênio para os tecidos. A falta de oxigenação adequada do cérebro devido à anemia pode levar a sintomas de fadiga, falta de energia e até mesmo humor deprimido.</a:t>
-            </a:r>
-          </a:p>
-          <a:p>
-            <a:pPr algn="l">
-              <a:buFont typeface="+mj-lt"/>
-              <a:buAutoNum type="arabicPeriod"/>
-            </a:pPr>
-            <a:r>
-              <a:rPr lang="pt-BR" b="1" i="0" dirty="0">
-                <a:solidFill>
-                  <a:srgbClr val="374151"/>
-                </a:solidFill>
-                <a:effectLst/>
-                <a:latin typeface="Söhne"/>
-              </a:rPr>
-              <a:t>Desnutrição:</a:t>
-            </a:r>
-            <a:r>
-              <a:rPr lang="pt-BR" b="0" i="0" dirty="0">
-                <a:solidFill>
-                  <a:srgbClr val="374151"/>
-                </a:solidFill>
-                <a:effectLst/>
-                <a:latin typeface="Söhne"/>
-              </a:rPr>
-              <a:t> A desnutrição, especialmente a deficiência de certos nutrientes como vitaminas B e D, pode afetar o funcionamento do cérebro e o humor. É importante avaliar a dieta do paciente.</a:t>
-            </a:r>
-          </a:p>
-          <a:p>
-            <a:pPr algn="l">
-              <a:buFont typeface="+mj-lt"/>
-              <a:buAutoNum type="arabicPeriod"/>
-            </a:pPr>
-            <a:r>
-              <a:rPr lang="pt-BR" b="1" i="0" dirty="0">
-                <a:solidFill>
-                  <a:srgbClr val="374151"/>
-                </a:solidFill>
-                <a:effectLst/>
-                <a:latin typeface="Söhne"/>
-              </a:rPr>
-              <a:t>Hipotireoidismo:</a:t>
-            </a:r>
-            <a:r>
-              <a:rPr lang="pt-BR" b="0" i="0" dirty="0">
-                <a:solidFill>
-                  <a:srgbClr val="374151"/>
-                </a:solidFill>
-                <a:effectLst/>
-                <a:latin typeface="Söhne"/>
-              </a:rPr>
-              <a:t> Quando a glândula tireoide não produz hormônios em quantidade suficiente (hipotireoidismo), pode levar a sintomas de depressão, fadiga, ganho de peso e letargia.</a:t>
-            </a:r>
-          </a:p>
-          <a:p>
-            <a:pPr algn="l">
-              <a:buFont typeface="+mj-lt"/>
-              <a:buAutoNum type="arabicPeriod"/>
-            </a:pPr>
-            <a:r>
-              <a:rPr lang="pt-BR" b="1" i="0" dirty="0">
-                <a:solidFill>
-                  <a:srgbClr val="374151"/>
-                </a:solidFill>
-                <a:effectLst/>
-                <a:latin typeface="Söhne"/>
-              </a:rPr>
-              <a:t>Outros transtornos médicos:</a:t>
-            </a:r>
-            <a:r>
-              <a:rPr lang="pt-BR" b="0" i="0" dirty="0">
-                <a:solidFill>
-                  <a:srgbClr val="374151"/>
-                </a:solidFill>
-                <a:effectLst/>
-                <a:latin typeface="Söhne"/>
-              </a:rPr>
-              <a:t> Além desses exemplos, existem muitas outras condições médicas, como diabetes, distúrbios neurológicos, distúrbios do sono e doenças crônicas, que podem afetar o humor e serem confundidas com a depressão.</a:t>
-            </a:r>
-          </a:p>
-          <a:p>
-            <a:pPr algn="l"/>
-            <a:r>
-              <a:rPr lang="pt-BR" b="0" i="0" dirty="0">
-                <a:solidFill>
-                  <a:srgbClr val="374151"/>
-                </a:solidFill>
-                <a:effectLst/>
-                <a:latin typeface="Söhne"/>
-              </a:rPr>
-              <a:t>Portanto, ao avaliar um paciente com sintomas de depressão, é importante uma avaliação abrangente que leve em consideração tanto os fatores médicos quanto os psicológicos. Isso pode envolver exames de sangue, testes de função da tireoide e outras avaliações médicas para descartar outras condições que possam estar contribuindo para os sintomas. Um diagnóstico preciso é fundamental para o tratamento adequado.</a:t>
-            </a:r>
-          </a:p>
-          <a:p>
-            <a:endParaRPr lang="pt-BR" dirty="0"/>
+            <a:r>
+              <a:rPr lang="pt-BR" dirty="0"/>
+              <a:t>Essa segunda parte da avaliação está dividida em 3 etapas</a:t>
+            </a:r>
           </a:p>
         </p:txBody>
       </p:sp>
     </p:spTree>
     <p:extLst>
       <p:ext uri="{BB962C8B-B14F-4D97-AF65-F5344CB8AC3E}">
-        <p14:creationId xmlns:p14="http://schemas.microsoft.com/office/powerpoint/2010/main" val="1736495134"/>
+        <p14:creationId xmlns:p14="http://schemas.microsoft.com/office/powerpoint/2010/main" val="2641587185"/>
       </p:ext>
     </p:extLst>
   </p:cSld>
@@ -5848,7 +5931,7 @@
             <a:fld id="{B61BEF0D-F0BB-DE4B-95CE-6DB70DBA9567}" type="datetimeFigureOut">
               <a:rPr lang="en-US" smtClean="0"/>
               <a:pPr/>
-              <a:t>9/10/2023</a:t>
+              <a:t>9/23/2023</a:t>
             </a:fld>
             <a:endParaRPr lang="en-US" dirty="0"/>
           </a:p>
@@ -6361,7 +6444,7 @@
             <a:fld id="{B61BEF0D-F0BB-DE4B-95CE-6DB70DBA9567}" type="datetimeFigureOut">
               <a:rPr lang="en-US" smtClean="0"/>
               <a:pPr/>
-              <a:t>9/10/2023</a:t>
+              <a:t>9/23/2023</a:t>
             </a:fld>
             <a:endParaRPr lang="en-US" dirty="0"/>
           </a:p>
@@ -6761,7 +6844,7 @@
             <a:fld id="{B61BEF0D-F0BB-DE4B-95CE-6DB70DBA9567}" type="datetimeFigureOut">
               <a:rPr lang="en-US" smtClean="0"/>
               <a:pPr/>
-              <a:t>9/10/2023</a:t>
+              <a:t>9/23/2023</a:t>
             </a:fld>
             <a:endParaRPr lang="en-US" dirty="0"/>
           </a:p>
@@ -7017,7 +7100,7 @@
             <a:fld id="{B61BEF0D-F0BB-DE4B-95CE-6DB70DBA9567}" type="datetimeFigureOut">
               <a:rPr lang="en-US" smtClean="0"/>
               <a:pPr/>
-              <a:t>9/10/2023</a:t>
+              <a:t>9/23/2023</a:t>
             </a:fld>
             <a:endParaRPr lang="en-US" dirty="0"/>
           </a:p>
@@ -7224,7 +7307,7 @@
             <a:fld id="{B61BEF0D-F0BB-DE4B-95CE-6DB70DBA9567}" type="datetimeFigureOut">
               <a:rPr lang="en-US" smtClean="0"/>
               <a:pPr/>
-              <a:t>9/10/2023</a:t>
+              <a:t>9/23/2023</a:t>
             </a:fld>
             <a:endParaRPr lang="en-US" dirty="0"/>
           </a:p>
@@ -11297,7 +11380,7 @@
             <a:fld id="{B61BEF0D-F0BB-DE4B-95CE-6DB70DBA9567}" type="datetimeFigureOut">
               <a:rPr lang="en-US" smtClean="0"/>
               <a:pPr/>
-              <a:t>9/10/2023</a:t>
+              <a:t>9/23/2023</a:t>
             </a:fld>
             <a:endParaRPr lang="en-US" dirty="0"/>
           </a:p>
@@ -11708,7 +11791,7 @@
             <a:fld id="{B61BEF0D-F0BB-DE4B-95CE-6DB70DBA9567}" type="datetimeFigureOut">
               <a:rPr lang="en-US" smtClean="0"/>
               <a:pPr/>
-              <a:t>9/10/2023</a:t>
+              <a:t>9/23/2023</a:t>
             </a:fld>
             <a:endParaRPr lang="en-US" dirty="0"/>
           </a:p>
@@ -12212,7 +12295,7 @@
             <a:fld id="{B61BEF0D-F0BB-DE4B-95CE-6DB70DBA9567}" type="datetimeFigureOut">
               <a:rPr lang="en-US" smtClean="0"/>
               <a:pPr/>
-              <a:t>9/10/2023</a:t>
+              <a:t>9/23/2023</a:t>
             </a:fld>
             <a:endParaRPr lang="en-US" dirty="0"/>
           </a:p>
@@ -12357,7 +12440,7 @@
             <a:fld id="{B61BEF0D-F0BB-DE4B-95CE-6DB70DBA9567}" type="datetimeFigureOut">
               <a:rPr lang="en-US" smtClean="0"/>
               <a:pPr/>
-              <a:t>9/10/2023</a:t>
+              <a:t>9/23/2023</a:t>
             </a:fld>
             <a:endParaRPr lang="en-US" dirty="0"/>
           </a:p>
@@ -12479,7 +12562,7 @@
             <a:fld id="{B61BEF0D-F0BB-DE4B-95CE-6DB70DBA9567}" type="datetimeFigureOut">
               <a:rPr lang="en-US" smtClean="0"/>
               <a:pPr/>
-              <a:t>9/10/2023</a:t>
+              <a:t>9/23/2023</a:t>
             </a:fld>
             <a:endParaRPr lang="en-US" dirty="0"/>
           </a:p>
@@ -13439,7 +13522,7 @@
           <p:nvPr/>
         </p:nvPicPr>
         <p:blipFill rotWithShape="1">
-          <a:blip r:embed="rId2">
+          <a:blip r:embed="rId3">
             <a:extLst>
               <a:ext uri="{28A0092B-C50C-407E-A947-70E740481C1C}">
                 <a14:useLocalDpi xmlns:a14="http://schemas.microsoft.com/office/drawing/2010/main" val="0"/>
@@ -13554,7 +13637,7 @@
           <p:nvPr/>
         </p:nvPicPr>
         <p:blipFill rotWithShape="1">
-          <a:blip r:embed="rId3"/>
+          <a:blip r:embed="rId4"/>
           <a:srcRect l="8813" t="10000" r="10153" b="8430"/>
           <a:stretch/>
         </p:blipFill>
